--- a/Anteproyectos2021/ArchivosEntregables/Mayo/Exposicion_tesis_16052021.pptx
+++ b/Anteproyectos2021/ArchivosEntregables/Mayo/Exposicion_tesis_16052021.pptx
@@ -6118,7 +6118,7 @@
           <a:pPr algn="just"/>
           <a:r>
             <a:rPr lang="es-CO" dirty="0"/>
-            <a:t>Estudiar los principales indicadores utilizados en el análisis de las imágenes termográficas tomadas a paneles fotovoltaicos y evaluación de su implementación en el algoritmo de procesamiento de imágenes. </a:t>
+            <a:t>Definir e implementar la técnica de procesamiento de imágenes adecuada para la digitalización de imágenes termográficas.</a:t>
           </a:r>
           <a:endParaRPr lang="es-ES" dirty="0"/>
         </a:p>
@@ -6160,7 +6160,7 @@
           <a:pPr algn="just"/>
           <a:r>
             <a:rPr lang="es-CO" dirty="0"/>
-            <a:t>Crear una base de datos sencilla con patrones destacados y frecuentes de las imágenes termográficas tomadas a paneles fotovoltaicos.</a:t>
+            <a:t>Identificar los patrones y formas de las imágenes termográficas digitalizadas que se relacionen con fallos, daños, deterioro o condiciones de operación regular de los paneles fotovoltaicos.</a:t>
           </a:r>
           <a:endParaRPr lang="es-ES" dirty="0"/>
         </a:p>
@@ -6201,7 +6201,7 @@
         <a:p>
           <a:pPr algn="just"/>
           <a:r>
-            <a:rPr lang="es-CO" dirty="0"/>
+            <a:rPr lang="es-CO"/>
             <a:t>Diseñar e implementar un algoritmo de procesamiento de imágenes para identificar y caracterizar patrones de fallos, daños o deterioro en las termografías tomadas a paneles fotovoltaicos.</a:t>
           </a:r>
           <a:endParaRPr lang="es-ES" dirty="0"/>
@@ -6227,6 +6227,47 @@
         <a:lstStyle/>
         <a:p>
           <a:endParaRPr lang="es-ES"/>
+        </a:p>
+      </dgm:t>
+    </dgm:pt>
+    <dgm:pt modelId="{E6BAA887-36D6-42F2-B860-D5E087399CBC}">
+      <dgm:prSet phldrT="[Texto]"/>
+      <dgm:spPr>
+        <a:solidFill>
+          <a:srgbClr val="00529C"/>
+        </a:solidFill>
+      </dgm:spPr>
+      <dgm:t>
+        <a:bodyPr/>
+        <a:lstStyle/>
+        <a:p>
+          <a:r>
+            <a:rPr lang="es-CO" dirty="0"/>
+            <a:t>Crear una base de datos sencilla con patrones destacados y frecuentes de fallos, daños o deterioro de las imágenes termográficas tomadas a paneles fotovoltaicos.</a:t>
+          </a:r>
+          <a:endParaRPr lang="es-ES" dirty="0"/>
+        </a:p>
+      </dgm:t>
+    </dgm:pt>
+    <dgm:pt modelId="{08418AF3-79E0-43E8-BF82-FED5657A88D7}" type="parTrans" cxnId="{D71030E4-6FD5-445A-8D32-AD751809B4D4}">
+      <dgm:prSet/>
+      <dgm:spPr/>
+      <dgm:t>
+        <a:bodyPr/>
+        <a:lstStyle/>
+        <a:p>
+          <a:endParaRPr lang="es-CO"/>
+        </a:p>
+      </dgm:t>
+    </dgm:pt>
+    <dgm:pt modelId="{DD031BBB-149A-4EA5-A3C0-400ED8C7D07C}" type="sibTrans" cxnId="{D71030E4-6FD5-445A-8D32-AD751809B4D4}">
+      <dgm:prSet/>
+      <dgm:spPr/>
+      <dgm:t>
+        <a:bodyPr/>
+        <a:lstStyle/>
+        <a:p>
+          <a:endParaRPr lang="es-CO"/>
         </a:p>
       </dgm:t>
     </dgm:pt>
@@ -6267,7 +6308,7 @@
       <dgm:spPr/>
     </dgm:pt>
     <dgm:pt modelId="{33CE6FA8-1ED1-494A-8C9D-51143519985E}" type="pres">
-      <dgm:prSet presAssocID="{329090C8-1781-4201-A6B7-FC4EA80B6333}" presName="txTwo" presStyleLbl="node2" presStyleIdx="0" presStyleCnt="3" custScaleY="97586">
+      <dgm:prSet presAssocID="{329090C8-1781-4201-A6B7-FC4EA80B6333}" presName="txTwo" presStyleLbl="node2" presStyleIdx="0" presStyleCnt="4" custScaleY="97586">
         <dgm:presLayoutVars>
           <dgm:chPref val="3"/>
         </dgm:presLayoutVars>
@@ -6287,7 +6328,7 @@
       <dgm:spPr/>
     </dgm:pt>
     <dgm:pt modelId="{C69521CD-65ED-4332-A11E-790E5D66E600}" type="pres">
-      <dgm:prSet presAssocID="{E82CE0F6-8607-437B-9D47-0AD11918106B}" presName="txTwo" presStyleLbl="node2" presStyleIdx="1" presStyleCnt="3" custScaleY="97586">
+      <dgm:prSet presAssocID="{E82CE0F6-8607-437B-9D47-0AD11918106B}" presName="txTwo" presStyleLbl="node2" presStyleIdx="1" presStyleCnt="4" custScaleY="97586">
         <dgm:presLayoutVars>
           <dgm:chPref val="3"/>
         </dgm:presLayoutVars>
@@ -6302,12 +6343,32 @@
       <dgm:prSet presAssocID="{F9C95847-4A3B-4868-91E7-0F687C3F44BC}" presName="sibSpaceTwo" presStyleCnt="0"/>
       <dgm:spPr/>
     </dgm:pt>
+    <dgm:pt modelId="{F38165EF-422B-4C9A-9C69-1960F6F75E2F}" type="pres">
+      <dgm:prSet presAssocID="{E6BAA887-36D6-42F2-B860-D5E087399CBC}" presName="vertTwo" presStyleCnt="0"/>
+      <dgm:spPr/>
+    </dgm:pt>
+    <dgm:pt modelId="{1CE6D6A1-0948-46C5-8B40-954DA47A680D}" type="pres">
+      <dgm:prSet presAssocID="{E6BAA887-36D6-42F2-B860-D5E087399CBC}" presName="txTwo" presStyleLbl="node2" presStyleIdx="2" presStyleCnt="4" custScaleY="97586">
+        <dgm:presLayoutVars>
+          <dgm:chPref val="3"/>
+        </dgm:presLayoutVars>
+      </dgm:prSet>
+      <dgm:spPr/>
+    </dgm:pt>
+    <dgm:pt modelId="{D506ED62-E1CB-410E-969C-8FA39237A167}" type="pres">
+      <dgm:prSet presAssocID="{E6BAA887-36D6-42F2-B860-D5E087399CBC}" presName="horzTwo" presStyleCnt="0"/>
+      <dgm:spPr/>
+    </dgm:pt>
+    <dgm:pt modelId="{47CBEB8D-BB86-442D-B2F4-F0921BC54A58}" type="pres">
+      <dgm:prSet presAssocID="{DD031BBB-149A-4EA5-A3C0-400ED8C7D07C}" presName="sibSpaceTwo" presStyleCnt="0"/>
+      <dgm:spPr/>
+    </dgm:pt>
     <dgm:pt modelId="{35F9BF6A-BBAC-4CD0-870A-270EE2A2AF2F}" type="pres">
       <dgm:prSet presAssocID="{5189D1E7-C05C-4684-9F2D-EA50EBE60C83}" presName="vertTwo" presStyleCnt="0"/>
       <dgm:spPr/>
     </dgm:pt>
     <dgm:pt modelId="{919EFA03-7FD3-475D-8634-9E6E6041890B}" type="pres">
-      <dgm:prSet presAssocID="{5189D1E7-C05C-4684-9F2D-EA50EBE60C83}" presName="txTwo" presStyleLbl="node2" presStyleIdx="2" presStyleCnt="3" custScaleY="97586">
+      <dgm:prSet presAssocID="{5189D1E7-C05C-4684-9F2D-EA50EBE60C83}" presName="txTwo" presStyleLbl="node2" presStyleIdx="3" presStyleCnt="4" custScaleY="97586">
         <dgm:presLayoutVars>
           <dgm:chPref val="3"/>
         </dgm:presLayoutVars>
@@ -6324,11 +6385,13 @@
     <dgm:cxn modelId="{ABB2962B-58C5-4334-8130-35498D5F1770}" srcId="{28DC5D9E-4298-4B8F-AA3B-D4553E8BC09F}" destId="{AE1CFE53-6567-447A-BEF3-4980F09F2476}" srcOrd="0" destOrd="0" parTransId="{4F490256-F7B7-4D0E-BB06-7737267E30E0}" sibTransId="{11308813-64CF-4254-B74D-F7C47BC0BDF5}"/>
     <dgm:cxn modelId="{34AE006C-EF97-4F50-8A9B-9F6A491E1484}" type="presOf" srcId="{28DC5D9E-4298-4B8F-AA3B-D4553E8BC09F}" destId="{8FD4714E-EFFB-4313-BA76-2F107787BEA8}" srcOrd="0" destOrd="0" presId="urn:microsoft.com/office/officeart/2005/8/layout/hierarchy4"/>
     <dgm:cxn modelId="{AF497953-3977-4583-8798-8A15EF44B963}" type="presOf" srcId="{329090C8-1781-4201-A6B7-FC4EA80B6333}" destId="{33CE6FA8-1ED1-494A-8C9D-51143519985E}" srcOrd="0" destOrd="0" presId="urn:microsoft.com/office/officeart/2005/8/layout/hierarchy4"/>
+    <dgm:cxn modelId="{B646C579-E0B8-4D6A-8ECF-E37EA284D264}" type="presOf" srcId="{E6BAA887-36D6-42F2-B860-D5E087399CBC}" destId="{1CE6D6A1-0948-46C5-8B40-954DA47A680D}" srcOrd="0" destOrd="0" presId="urn:microsoft.com/office/officeart/2005/8/layout/hierarchy4"/>
     <dgm:cxn modelId="{1C601882-E67D-4DA6-A6CC-7ABBAAEA71DF}" type="presOf" srcId="{E82CE0F6-8607-437B-9D47-0AD11918106B}" destId="{C69521CD-65ED-4332-A11E-790E5D66E600}" srcOrd="0" destOrd="0" presId="urn:microsoft.com/office/officeart/2005/8/layout/hierarchy4"/>
     <dgm:cxn modelId="{8843B586-2307-4326-A597-69C808B835F3}" type="presOf" srcId="{AE1CFE53-6567-447A-BEF3-4980F09F2476}" destId="{277A4076-1DD4-4009-B50B-A0ABD903ED24}" srcOrd="0" destOrd="0" presId="urn:microsoft.com/office/officeart/2005/8/layout/hierarchy4"/>
     <dgm:cxn modelId="{C6B68796-E2E3-4CBE-89A4-850A13D2E38C}" srcId="{AE1CFE53-6567-447A-BEF3-4980F09F2476}" destId="{E82CE0F6-8607-437B-9D47-0AD11918106B}" srcOrd="1" destOrd="0" parTransId="{9CD2B11C-EA56-45A6-BD97-A000A440B48A}" sibTransId="{F9C95847-4A3B-4868-91E7-0F687C3F44BC}"/>
-    <dgm:cxn modelId="{8AE2F79D-A01A-40E5-8037-D6AE3BCBADA4}" srcId="{AE1CFE53-6567-447A-BEF3-4980F09F2476}" destId="{5189D1E7-C05C-4684-9F2D-EA50EBE60C83}" srcOrd="2" destOrd="0" parTransId="{714295C5-082D-4494-B6BB-9AF59E7995A6}" sibTransId="{0F5A650C-DCD9-477C-9F4C-C02F9FA90885}"/>
+    <dgm:cxn modelId="{8AE2F79D-A01A-40E5-8037-D6AE3BCBADA4}" srcId="{AE1CFE53-6567-447A-BEF3-4980F09F2476}" destId="{5189D1E7-C05C-4684-9F2D-EA50EBE60C83}" srcOrd="3" destOrd="0" parTransId="{714295C5-082D-4494-B6BB-9AF59E7995A6}" sibTransId="{0F5A650C-DCD9-477C-9F4C-C02F9FA90885}"/>
     <dgm:cxn modelId="{2C633DBC-3B39-4A01-9D39-02014CDDEB3A}" srcId="{AE1CFE53-6567-447A-BEF3-4980F09F2476}" destId="{329090C8-1781-4201-A6B7-FC4EA80B6333}" srcOrd="0" destOrd="0" parTransId="{15A13E90-ABC0-4588-A1D0-075FD62B5930}" sibTransId="{BB9390EE-C7C8-4526-8270-4F896B9A27CF}"/>
+    <dgm:cxn modelId="{D71030E4-6FD5-445A-8D32-AD751809B4D4}" srcId="{AE1CFE53-6567-447A-BEF3-4980F09F2476}" destId="{E6BAA887-36D6-42F2-B860-D5E087399CBC}" srcOrd="2" destOrd="0" parTransId="{08418AF3-79E0-43E8-BF82-FED5657A88D7}" sibTransId="{DD031BBB-149A-4EA5-A3C0-400ED8C7D07C}"/>
     <dgm:cxn modelId="{1753740E-F56F-4A67-9C8A-0FBE406DE2F5}" type="presParOf" srcId="{8FD4714E-EFFB-4313-BA76-2F107787BEA8}" destId="{006378F0-EF36-4502-BC55-402334DA7094}" srcOrd="0" destOrd="0" presId="urn:microsoft.com/office/officeart/2005/8/layout/hierarchy4"/>
     <dgm:cxn modelId="{04C9726C-57B2-4F1A-B9FC-D6A733F1DED6}" type="presParOf" srcId="{006378F0-EF36-4502-BC55-402334DA7094}" destId="{277A4076-1DD4-4009-B50B-A0ABD903ED24}" srcOrd="0" destOrd="0" presId="urn:microsoft.com/office/officeart/2005/8/layout/hierarchy4"/>
     <dgm:cxn modelId="{B2BEE0EE-E9CE-40E2-B47A-93DC3CFB803B}" type="presParOf" srcId="{006378F0-EF36-4502-BC55-402334DA7094}" destId="{F952E622-2609-4643-8802-6B0F5DFE254C}" srcOrd="1" destOrd="0" presId="urn:microsoft.com/office/officeart/2005/8/layout/hierarchy4"/>
@@ -6341,7 +6404,11 @@
     <dgm:cxn modelId="{88DC4ACD-0447-4094-810D-99FE86371EC2}" type="presParOf" srcId="{F3ECA804-EDC5-4DAC-AECE-3E5EEB6EB0AE}" destId="{C69521CD-65ED-4332-A11E-790E5D66E600}" srcOrd="0" destOrd="0" presId="urn:microsoft.com/office/officeart/2005/8/layout/hierarchy4"/>
     <dgm:cxn modelId="{C5372FF2-46B0-4FFE-BD8D-05D9E0BB343E}" type="presParOf" srcId="{F3ECA804-EDC5-4DAC-AECE-3E5EEB6EB0AE}" destId="{1AE53D7C-EA39-4CEB-A69D-7CF44E2435BC}" srcOrd="1" destOrd="0" presId="urn:microsoft.com/office/officeart/2005/8/layout/hierarchy4"/>
     <dgm:cxn modelId="{29C2FEA4-5892-4127-9F9B-ED32554DA738}" type="presParOf" srcId="{0EC3EDAE-6343-4447-A1A4-61C3A2DF2944}" destId="{F7BD5A7C-60E8-4819-900B-D035F7A9BCC3}" srcOrd="3" destOrd="0" presId="urn:microsoft.com/office/officeart/2005/8/layout/hierarchy4"/>
-    <dgm:cxn modelId="{DFDEF911-8D33-4A65-AC95-7C63DCD6CD6B}" type="presParOf" srcId="{0EC3EDAE-6343-4447-A1A4-61C3A2DF2944}" destId="{35F9BF6A-BBAC-4CD0-870A-270EE2A2AF2F}" srcOrd="4" destOrd="0" presId="urn:microsoft.com/office/officeart/2005/8/layout/hierarchy4"/>
+    <dgm:cxn modelId="{8F080852-BBE5-44D8-8D02-AB061ADBF297}" type="presParOf" srcId="{0EC3EDAE-6343-4447-A1A4-61C3A2DF2944}" destId="{F38165EF-422B-4C9A-9C69-1960F6F75E2F}" srcOrd="4" destOrd="0" presId="urn:microsoft.com/office/officeart/2005/8/layout/hierarchy4"/>
+    <dgm:cxn modelId="{28C92796-EC55-4C57-AA1D-90768AE2F785}" type="presParOf" srcId="{F38165EF-422B-4C9A-9C69-1960F6F75E2F}" destId="{1CE6D6A1-0948-46C5-8B40-954DA47A680D}" srcOrd="0" destOrd="0" presId="urn:microsoft.com/office/officeart/2005/8/layout/hierarchy4"/>
+    <dgm:cxn modelId="{8120AEB2-7DB9-4BA4-BF9B-915B2111141E}" type="presParOf" srcId="{F38165EF-422B-4C9A-9C69-1960F6F75E2F}" destId="{D506ED62-E1CB-410E-969C-8FA39237A167}" srcOrd="1" destOrd="0" presId="urn:microsoft.com/office/officeart/2005/8/layout/hierarchy4"/>
+    <dgm:cxn modelId="{21CFDA84-4030-4768-BFCF-A715A6014E5A}" type="presParOf" srcId="{0EC3EDAE-6343-4447-A1A4-61C3A2DF2944}" destId="{47CBEB8D-BB86-442D-B2F4-F0921BC54A58}" srcOrd="5" destOrd="0" presId="urn:microsoft.com/office/officeart/2005/8/layout/hierarchy4"/>
+    <dgm:cxn modelId="{DFDEF911-8D33-4A65-AC95-7C63DCD6CD6B}" type="presParOf" srcId="{0EC3EDAE-6343-4447-A1A4-61C3A2DF2944}" destId="{35F9BF6A-BBAC-4CD0-870A-270EE2A2AF2F}" srcOrd="6" destOrd="0" presId="urn:microsoft.com/office/officeart/2005/8/layout/hierarchy4"/>
     <dgm:cxn modelId="{C4A997F9-937E-499F-A593-EC387816D751}" type="presParOf" srcId="{35F9BF6A-BBAC-4CD0-870A-270EE2A2AF2F}" destId="{919EFA03-7FD3-475D-8634-9E6E6041890B}" srcOrd="0" destOrd="0" presId="urn:microsoft.com/office/officeart/2005/8/layout/hierarchy4"/>
     <dgm:cxn modelId="{EE7A4278-9C5F-4B23-BB46-FFCCED10FB2B}" type="presParOf" srcId="{35F9BF6A-BBAC-4CD0-870A-270EE2A2AF2F}" destId="{0C5E0F75-3E2E-43E5-8CBF-C87C72CEB624}" srcOrd="1" destOrd="0" presId="urn:microsoft.com/office/officeart/2005/8/layout/hierarchy4"/>
   </dgm:cxnLst>
@@ -8620,8 +8687,8 @@
       </dsp:nvSpPr>
       <dsp:spPr>
         <a:xfrm>
-          <a:off x="3054" y="3246"/>
-          <a:ext cx="8494078" cy="1570393"/>
+          <a:off x="1373" y="3246"/>
+          <a:ext cx="8497440" cy="1570393"/>
         </a:xfrm>
         <a:prstGeom prst="roundRect">
           <a:avLst>
@@ -8690,8 +8757,8 @@
         </a:p>
       </dsp:txBody>
       <dsp:txXfrm>
-        <a:off x="49049" y="49241"/>
-        <a:ext cx="8402088" cy="1478403"/>
+        <a:off x="47368" y="49241"/>
+        <a:ext cx="8405450" cy="1478403"/>
       </dsp:txXfrm>
     </dsp:sp>
     <dsp:sp modelId="{33CE6FA8-1ED1-494A-8C9D-51143519985E}">
@@ -8701,8 +8768,8 @@
       </dsp:nvSpPr>
       <dsp:spPr>
         <a:xfrm>
-          <a:off x="3054" y="1860455"/>
-          <a:ext cx="2681211" cy="2659778"/>
+          <a:off x="1373" y="1860455"/>
+          <a:ext cx="1998457" cy="2659778"/>
         </a:xfrm>
         <a:prstGeom prst="roundRect">
           <a:avLst>
@@ -8746,12 +8813,12 @@
         </a:fontRef>
       </dsp:style>
       <dsp:txBody>
-        <a:bodyPr spcFirstLastPara="0" vert="horz" wrap="square" lIns="64770" tIns="64770" rIns="64770" bIns="64770" numCol="1" spcCol="1270" anchor="ctr" anchorCtr="0">
+        <a:bodyPr spcFirstLastPara="0" vert="horz" wrap="square" lIns="53340" tIns="53340" rIns="53340" bIns="53340" numCol="1" spcCol="1270" anchor="ctr" anchorCtr="0">
           <a:noAutofit/>
         </a:bodyPr>
         <a:lstStyle/>
         <a:p>
-          <a:pPr marL="0" lvl="0" indent="0" algn="just" defTabSz="755650">
+          <a:pPr marL="0" lvl="0" indent="0" algn="just" defTabSz="622300">
             <a:lnSpc>
               <a:spcPct val="90000"/>
             </a:lnSpc>
@@ -8764,15 +8831,15 @@
             <a:buNone/>
           </a:pPr>
           <a:r>
-            <a:rPr lang="es-CO" sz="1700" kern="1200" dirty="0"/>
-            <a:t>Estudiar los principales indicadores utilizados en el análisis de las imágenes termográficas tomadas a paneles fotovoltaicos y evaluación de su implementación en el algoritmo de procesamiento de imágenes. </a:t>
+            <a:rPr lang="es-CO" sz="1400" kern="1200" dirty="0"/>
+            <a:t>Definir e implementar la técnica de procesamiento de imágenes adecuada para la digitalización de imágenes termográficas.</a:t>
           </a:r>
-          <a:endParaRPr lang="es-ES" sz="1700" kern="1200" dirty="0"/>
+          <a:endParaRPr lang="es-ES" sz="1400" kern="1200" dirty="0"/>
         </a:p>
       </dsp:txBody>
       <dsp:txXfrm>
-        <a:off x="80956" y="1938357"/>
-        <a:ext cx="2525407" cy="2503974"/>
+        <a:off x="59906" y="1918988"/>
+        <a:ext cx="1881391" cy="2542712"/>
       </dsp:txXfrm>
     </dsp:sp>
     <dsp:sp modelId="{C69521CD-65ED-4332-A11E-790E5D66E600}">
@@ -8782,8 +8849,8 @@
       </dsp:nvSpPr>
       <dsp:spPr>
         <a:xfrm>
-          <a:off x="2909488" y="1860455"/>
-          <a:ext cx="2681211" cy="2659778"/>
+          <a:off x="2167701" y="1860455"/>
+          <a:ext cx="1998457" cy="2659778"/>
         </a:xfrm>
         <a:prstGeom prst="roundRect">
           <a:avLst>
@@ -8827,12 +8894,12 @@
         </a:fontRef>
       </dsp:style>
       <dsp:txBody>
-        <a:bodyPr spcFirstLastPara="0" vert="horz" wrap="square" lIns="64770" tIns="64770" rIns="64770" bIns="64770" numCol="1" spcCol="1270" anchor="ctr" anchorCtr="0">
+        <a:bodyPr spcFirstLastPara="0" vert="horz" wrap="square" lIns="53340" tIns="53340" rIns="53340" bIns="53340" numCol="1" spcCol="1270" anchor="ctr" anchorCtr="0">
           <a:noAutofit/>
         </a:bodyPr>
         <a:lstStyle/>
         <a:p>
-          <a:pPr marL="0" lvl="0" indent="0" algn="just" defTabSz="755650">
+          <a:pPr marL="0" lvl="0" indent="0" algn="just" defTabSz="622300">
             <a:lnSpc>
               <a:spcPct val="90000"/>
             </a:lnSpc>
@@ -8845,26 +8912,26 @@
             <a:buNone/>
           </a:pPr>
           <a:r>
-            <a:rPr lang="es-CO" sz="1700" kern="1200" dirty="0"/>
-            <a:t>Crear una base de datos sencilla con patrones destacados y frecuentes de las imágenes termográficas tomadas a paneles fotovoltaicos.</a:t>
+            <a:rPr lang="es-CO" sz="1400" kern="1200" dirty="0"/>
+            <a:t>Identificar los patrones y formas de las imágenes termográficas digitalizadas que se relacionen con fallos, daños, deterioro o condiciones de operación regular de los paneles fotovoltaicos.</a:t>
           </a:r>
-          <a:endParaRPr lang="es-ES" sz="1700" kern="1200" dirty="0"/>
+          <a:endParaRPr lang="es-ES" sz="1400" kern="1200" dirty="0"/>
         </a:p>
       </dsp:txBody>
       <dsp:txXfrm>
-        <a:off x="2987390" y="1938357"/>
-        <a:ext cx="2525407" cy="2503974"/>
+        <a:off x="2226234" y="1918988"/>
+        <a:ext cx="1881391" cy="2542712"/>
       </dsp:txXfrm>
     </dsp:sp>
-    <dsp:sp modelId="{919EFA03-7FD3-475D-8634-9E6E6041890B}">
+    <dsp:sp modelId="{1CE6D6A1-0948-46C5-8B40-954DA47A680D}">
       <dsp:nvSpPr>
         <dsp:cNvPr id="0" name=""/>
         <dsp:cNvSpPr/>
       </dsp:nvSpPr>
       <dsp:spPr>
         <a:xfrm>
-          <a:off x="5815921" y="1860455"/>
-          <a:ext cx="2681211" cy="2659778"/>
+          <a:off x="4334029" y="1860455"/>
+          <a:ext cx="1998457" cy="2659778"/>
         </a:xfrm>
         <a:prstGeom prst="roundRect">
           <a:avLst>
@@ -8908,12 +8975,12 @@
         </a:fontRef>
       </dsp:style>
       <dsp:txBody>
-        <a:bodyPr spcFirstLastPara="0" vert="horz" wrap="square" lIns="64770" tIns="64770" rIns="64770" bIns="64770" numCol="1" spcCol="1270" anchor="ctr" anchorCtr="0">
+        <a:bodyPr spcFirstLastPara="0" vert="horz" wrap="square" lIns="53340" tIns="53340" rIns="53340" bIns="53340" numCol="1" spcCol="1270" anchor="ctr" anchorCtr="0">
           <a:noAutofit/>
         </a:bodyPr>
         <a:lstStyle/>
         <a:p>
-          <a:pPr marL="0" lvl="0" indent="0" algn="just" defTabSz="755650">
+          <a:pPr marL="0" lvl="0" indent="0" algn="ctr" defTabSz="622300">
             <a:lnSpc>
               <a:spcPct val="90000"/>
             </a:lnSpc>
@@ -8926,15 +8993,96 @@
             <a:buNone/>
           </a:pPr>
           <a:r>
-            <a:rPr lang="es-CO" sz="1700" kern="1200" dirty="0"/>
-            <a:t>Diseñar e implementar un algoritmo de procesamiento de imágenes para identificar y caracterizar patrones de fallos, daños o deterioro en las termografías tomadas a paneles fotovoltaicos.</a:t>
+            <a:rPr lang="es-CO" sz="1400" kern="1200" dirty="0"/>
+            <a:t>Crear una base de datos sencilla con patrones destacados y frecuentes de fallos, daños o deterioro de las imágenes termográficas tomadas a paneles fotovoltaicos.</a:t>
           </a:r>
-          <a:endParaRPr lang="es-ES" sz="1700" kern="1200" dirty="0"/>
+          <a:endParaRPr lang="es-ES" sz="1400" kern="1200" dirty="0"/>
         </a:p>
       </dsp:txBody>
       <dsp:txXfrm>
-        <a:off x="5893823" y="1938357"/>
-        <a:ext cx="2525407" cy="2503974"/>
+        <a:off x="4392562" y="1918988"/>
+        <a:ext cx="1881391" cy="2542712"/>
+      </dsp:txXfrm>
+    </dsp:sp>
+    <dsp:sp modelId="{919EFA03-7FD3-475D-8634-9E6E6041890B}">
+      <dsp:nvSpPr>
+        <dsp:cNvPr id="0" name=""/>
+        <dsp:cNvSpPr/>
+      </dsp:nvSpPr>
+      <dsp:spPr>
+        <a:xfrm>
+          <a:off x="6500356" y="1860455"/>
+          <a:ext cx="1998457" cy="2659778"/>
+        </a:xfrm>
+        <a:prstGeom prst="roundRect">
+          <a:avLst>
+            <a:gd name="adj" fmla="val 10000"/>
+          </a:avLst>
+        </a:prstGeom>
+        <a:solidFill>
+          <a:srgbClr val="00529C"/>
+        </a:solidFill>
+        <a:ln w="38100" cap="flat" cmpd="sng" algn="ctr">
+          <a:solidFill>
+            <a:schemeClr val="lt2">
+              <a:hueOff val="0"/>
+              <a:satOff val="0"/>
+              <a:lumOff val="0"/>
+              <a:alphaOff val="0"/>
+            </a:schemeClr>
+          </a:solidFill>
+          <a:prstDash val="solid"/>
+        </a:ln>
+        <a:effectLst>
+          <a:outerShdw blurRad="40000" dist="20000" dir="5400000" rotWithShape="0">
+            <a:srgbClr val="000000">
+              <a:alpha val="38000"/>
+            </a:srgbClr>
+          </a:outerShdw>
+        </a:effectLst>
+      </dsp:spPr>
+      <dsp:style>
+        <a:lnRef idx="3">
+          <a:scrgbClr r="0" g="0" b="0"/>
+        </a:lnRef>
+        <a:fillRef idx="1">
+          <a:scrgbClr r="0" g="0" b="0"/>
+        </a:fillRef>
+        <a:effectRef idx="1">
+          <a:scrgbClr r="0" g="0" b="0"/>
+        </a:effectRef>
+        <a:fontRef idx="minor">
+          <a:schemeClr val="lt1"/>
+        </a:fontRef>
+      </dsp:style>
+      <dsp:txBody>
+        <a:bodyPr spcFirstLastPara="0" vert="horz" wrap="square" lIns="53340" tIns="53340" rIns="53340" bIns="53340" numCol="1" spcCol="1270" anchor="ctr" anchorCtr="0">
+          <a:noAutofit/>
+        </a:bodyPr>
+        <a:lstStyle/>
+        <a:p>
+          <a:pPr marL="0" lvl="0" indent="0" algn="just" defTabSz="622300">
+            <a:lnSpc>
+              <a:spcPct val="90000"/>
+            </a:lnSpc>
+            <a:spcBef>
+              <a:spcPct val="0"/>
+            </a:spcBef>
+            <a:spcAft>
+              <a:spcPct val="35000"/>
+            </a:spcAft>
+            <a:buNone/>
+          </a:pPr>
+          <a:r>
+            <a:rPr lang="es-CO" sz="1400" kern="1200"/>
+            <a:t>Diseñar e implementar un algoritmo de procesamiento de imágenes para identificar y caracterizar patrones de fallos, daños o deterioro en las termografías tomadas a paneles fotovoltaicos.</a:t>
+          </a:r>
+          <a:endParaRPr lang="es-ES" sz="1400" kern="1200" dirty="0"/>
+        </a:p>
+      </dsp:txBody>
+      <dsp:txXfrm>
+        <a:off x="6558889" y="1918988"/>
+        <a:ext cx="1881391" cy="2542712"/>
       </dsp:txXfrm>
     </dsp:sp>
   </dsp:spTree>
@@ -21806,7 +21954,7 @@
           <a:p>
             <a:fld id="{D4B39117-BBAA-FC4C-90CB-86676EB69E98}" type="datetimeFigureOut">
               <a:rPr lang="es-ES" smtClean="0"/>
-              <a:t>16/05/2021</a:t>
+              <a:t>17/05/2021</a:t>
             </a:fld>
             <a:endParaRPr lang="es-ES"/>
           </a:p>
@@ -22471,7 +22619,7 @@
             <a:fld id="{357272FC-7409-9241-96D9-C1880B2CBB52}" type="datetimeFigureOut">
               <a:rPr lang="es-ES" smtClean="0"/>
               <a:pPr/>
-              <a:t>16/05/2021</a:t>
+              <a:t>17/05/2021</a:t>
             </a:fld>
             <a:endParaRPr lang="es-ES"/>
           </a:p>
@@ -22673,7 +22821,7 @@
             <a:fld id="{357272FC-7409-9241-96D9-C1880B2CBB52}" type="datetimeFigureOut">
               <a:rPr lang="es-ES" smtClean="0"/>
               <a:pPr/>
-              <a:t>16/05/2021</a:t>
+              <a:t>17/05/2021</a:t>
             </a:fld>
             <a:endParaRPr lang="es-ES"/>
           </a:p>
@@ -23128,7 +23276,7 @@
             <a:fld id="{357272FC-7409-9241-96D9-C1880B2CBB52}" type="datetimeFigureOut">
               <a:rPr lang="es-ES" smtClean="0"/>
               <a:pPr/>
-              <a:t>16/05/2021</a:t>
+              <a:t>17/05/2021</a:t>
             </a:fld>
             <a:endParaRPr lang="es-ES"/>
           </a:p>
@@ -23710,7 +23858,7 @@
             <a:fld id="{357272FC-7409-9241-96D9-C1880B2CBB52}" type="datetimeFigureOut">
               <a:rPr lang="es-ES" smtClean="0"/>
               <a:pPr/>
-              <a:t>16/05/2021</a:t>
+              <a:t>17/05/2021</a:t>
             </a:fld>
             <a:endParaRPr lang="es-ES"/>
           </a:p>
@@ -23913,7 +24061,7 @@
             <a:fld id="{357272FC-7409-9241-96D9-C1880B2CBB52}" type="datetimeFigureOut">
               <a:rPr lang="es-ES" smtClean="0"/>
               <a:pPr/>
-              <a:t>16/05/2021</a:t>
+              <a:t>17/05/2021</a:t>
             </a:fld>
             <a:endParaRPr lang="es-ES"/>
           </a:p>
@@ -24190,7 +24338,7 @@
             <a:fld id="{357272FC-7409-9241-96D9-C1880B2CBB52}" type="datetimeFigureOut">
               <a:rPr lang="es-ES" smtClean="0"/>
               <a:pPr/>
-              <a:t>16/05/2021</a:t>
+              <a:t>17/05/2021</a:t>
             </a:fld>
             <a:endParaRPr lang="es-ES"/>
           </a:p>
@@ -24587,7 +24735,7 @@
             <a:fld id="{357272FC-7409-9241-96D9-C1880B2CBB52}" type="datetimeFigureOut">
               <a:rPr lang="es-ES" smtClean="0"/>
               <a:pPr/>
-              <a:t>16/05/2021</a:t>
+              <a:t>17/05/2021</a:t>
             </a:fld>
             <a:endParaRPr lang="es-ES"/>
           </a:p>
@@ -24922,7 +25070,7 @@
             <a:fld id="{357272FC-7409-9241-96D9-C1880B2CBB52}" type="datetimeFigureOut">
               <a:rPr lang="es-ES" smtClean="0"/>
               <a:pPr/>
-              <a:t>16/05/2021</a:t>
+              <a:t>17/05/2021</a:t>
             </a:fld>
             <a:endParaRPr lang="es-ES"/>
           </a:p>
@@ -25166,7 +25314,7 @@
           <a:p>
             <a:fld id="{357272FC-7409-9241-96D9-C1880B2CBB52}" type="datetimeFigureOut">
               <a:rPr lang="es-ES" smtClean="0"/>
-              <a:t>16/05/2021</a:t>
+              <a:t>17/05/2021</a:t>
             </a:fld>
             <a:endParaRPr lang="es-ES"/>
           </a:p>
@@ -27869,7 +28017,7 @@
           <p:nvPr>
             <p:extLst>
               <p:ext uri="{D42A27DB-BD31-4B8C-83A1-F6EECF244321}">
-                <p14:modId xmlns:p14="http://schemas.microsoft.com/office/powerpoint/2010/main" val="3259042787"/>
+                <p14:modId xmlns:p14="http://schemas.microsoft.com/office/powerpoint/2010/main" val="1861674363"/>
               </p:ext>
             </p:extLst>
           </p:nvPr>
@@ -29337,6 +29485,15 @@
 </file>
 
 <file path=customXml/item2.xml><?xml version="1.0" encoding="utf-8"?>
+<?mso-contentType ?>
+<FormTemplates xmlns="http://schemas.microsoft.com/sharepoint/v3/contenttype/forms">
+  <Display>DocumentLibraryForm</Display>
+  <Edit>DocumentLibraryForm</Edit>
+  <New>DocumentLibraryForm</New>
+</FormTemplates>
+</file>
+
+<file path=customXml/item3.xml><?xml version="1.0" encoding="utf-8"?>
 <ct:contentTypeSchema xmlns:ct="http://schemas.microsoft.com/office/2006/metadata/contentType" xmlns:ma="http://schemas.microsoft.com/office/2006/metadata/properties/metaAttributes" ct:_="" ma:_="" ma:contentTypeName="Documento" ma:contentTypeID="0x0101003368A09EF4795B4D8D42C88900235298" ma:contentTypeVersion="0" ma:contentTypeDescription="Crear nuevo documento." ma:contentTypeScope="" ma:versionID="9884ae04ee6740a09aac08c2ec6aecf2">
   <xsd:schema xmlns:xsd="http://www.w3.org/2001/XMLSchema" xmlns:xs="http://www.w3.org/2001/XMLSchema" xmlns:p="http://schemas.microsoft.com/office/2006/metadata/properties" targetNamespace="http://schemas.microsoft.com/office/2006/metadata/properties" ma:root="true" ma:fieldsID="986dcc55fc7de7b749655be5365d3efe">
     <xsd:element name="properties">
@@ -29450,15 +29607,6 @@
 </ct:contentTypeSchema>
 </file>
 
-<file path=customXml/item3.xml><?xml version="1.0" encoding="utf-8"?>
-<?mso-contentType ?>
-<FormTemplates xmlns="http://schemas.microsoft.com/sharepoint/v3/contenttype/forms">
-  <Display>DocumentLibraryForm</Display>
-  <Edit>DocumentLibraryForm</Edit>
-  <New>DocumentLibraryForm</New>
-</FormTemplates>
-</file>
-
 <file path=customXml/itemProps1.xml><?xml version="1.0" encoding="utf-8"?>
 <ds:datastoreItem xmlns:ds="http://schemas.openxmlformats.org/officeDocument/2006/customXml" ds:itemID="{46BD7D53-8870-4901-9C75-3567A7CBAE5E}">
   <ds:schemaRefs>
@@ -29475,6 +29623,14 @@
 </file>
 
 <file path=customXml/itemProps2.xml><?xml version="1.0" encoding="utf-8"?>
+<ds:datastoreItem xmlns:ds="http://schemas.openxmlformats.org/officeDocument/2006/customXml" ds:itemID="{B04D8436-9529-41CE-BBCE-4D604027359A}">
+  <ds:schemaRefs>
+    <ds:schemaRef ds:uri="http://schemas.microsoft.com/sharepoint/v3/contenttype/forms"/>
+  </ds:schemaRefs>
+</ds:datastoreItem>
+</file>
+
+<file path=customXml/itemProps3.xml><?xml version="1.0" encoding="utf-8"?>
 <ds:datastoreItem xmlns:ds="http://schemas.openxmlformats.org/officeDocument/2006/customXml" ds:itemID="{31763BEB-9615-4A27-A42C-260763FAF135}">
   <ds:schemaRefs>
     <ds:schemaRef ds:uri="http://schemas.microsoft.com/office/2006/metadata/contentType"/>
@@ -29488,12 +29644,4 @@
     <ds:schemaRef ds:uri="http://schemas.microsoft.com/office/infopath/2007/PartnerControls"/>
   </ds:schemaRefs>
 </ds:datastoreItem>
-</file>
-
-<file path=customXml/itemProps3.xml><?xml version="1.0" encoding="utf-8"?>
-<ds:datastoreItem xmlns:ds="http://schemas.openxmlformats.org/officeDocument/2006/customXml" ds:itemID="{B04D8436-9529-41CE-BBCE-4D604027359A}">
-  <ds:schemaRefs>
-    <ds:schemaRef ds:uri="http://schemas.microsoft.com/sharepoint/v3/contenttype/forms"/>
-  </ds:schemaRefs>
-</ds:datastoreItem>
 </file>
--- a/Anteproyectos2021/ArchivosEntregables/Mayo/Exposicion_tesis_16052021.pptx
+++ b/Anteproyectos2021/ArchivosEntregables/Mayo/Exposicion_tesis_16052021.pptx
@@ -7556,7 +7556,7 @@
         <a:p>
           <a:r>
             <a:rPr lang="es-ES" sz="1200" dirty="0"/>
-            <a:t>Llega a Colombia en los 80’s en el programa Telecomunicaciones rurales.</a:t>
+            <a:t>Llega a Colombia en los 80’s en el programa Telecomunicaciones rurales,</a:t>
           </a:r>
         </a:p>
         <a:p>
@@ -7667,7 +7667,7 @@
         <a:p>
           <a:r>
             <a:rPr lang="es-ES" sz="1200" dirty="0"/>
-            <a:t>Promedio diario de 4.5 kWh/𝑚2/d de irradiación solar</a:t>
+            <a:t>Promedio diario de 4.5 kWh/𝑚2/d de irradiación solar.</a:t>
           </a:r>
         </a:p>
         <a:p>
@@ -7685,7 +7685,7 @@
         <a:p>
           <a:r>
             <a:rPr lang="es-ES" sz="1200" dirty="0"/>
-            <a:t>las ZNI (zonas no interconectadas) representan el 52% aproximadamente de territorio nacional.</a:t>
+            <a:t>Las ZNI (zonas no interconectadas) representan el 52% aproximadamente de territorio nacional.</a:t>
           </a:r>
         </a:p>
       </dgm:t>
@@ -7894,7 +7894,7 @@
         <a:p>
           <a:r>
             <a:rPr lang="es-CO" sz="1400" b="1" dirty="0"/>
-            <a:t>LEY 1955 DEL 2019 CONGRESO DE COLOMBIA</a:t>
+            <a:t>LEY 1955 DEL 2019 - CONGRESO DE COLOMBIA</a:t>
           </a:r>
           <a:endParaRPr lang="es-CO" sz="1400" dirty="0"/>
         </a:p>
@@ -7940,7 +7940,7 @@
         <a:p>
           <a:r>
             <a:rPr lang="es-CO" sz="1400" b="1" dirty="0"/>
-            <a:t>LEY 1715 DEL 2014 CONGRESO DE COLOMBIA</a:t>
+            <a:t>LEY 1715 DEL 2014 - CONGRESO DE COLOMBIA</a:t>
           </a:r>
           <a:endParaRPr lang="es-CO" sz="1400" dirty="0"/>
         </a:p>
@@ -7986,7 +7986,7 @@
         <a:p>
           <a:r>
             <a:rPr lang="es-CO" sz="1400" b="1" dirty="0"/>
-            <a:t>REGLAMENTO TÉCNICO DE INSTALACIONES ELÉCTRICAS</a:t>
+            <a:t>REGLAMENTO TÉCNICO DE INSTALACIONES ELÉCTRICAS (RETIE)</a:t>
           </a:r>
           <a:endParaRPr lang="es-CO" sz="1400" dirty="0"/>
         </a:p>
@@ -11173,7 +11173,7 @@
           </a:pPr>
           <a:r>
             <a:rPr lang="es-ES" sz="1200" kern="1200" dirty="0"/>
-            <a:t>Llega a Colombia en los 80’s en el programa Telecomunicaciones rurales.</a:t>
+            <a:t>Llega a Colombia en los 80’s en el programa Telecomunicaciones rurales,</a:t>
           </a:r>
         </a:p>
         <a:p>
@@ -11508,7 +11508,7 @@
           </a:pPr>
           <a:r>
             <a:rPr lang="es-ES" sz="1200" kern="1200" dirty="0"/>
-            <a:t>Promedio diario de 4.5 kWh/𝑚2/d de irradiación solar</a:t>
+            <a:t>Promedio diario de 4.5 kWh/𝑚2/d de irradiación solar.</a:t>
           </a:r>
         </a:p>
         <a:p>
@@ -11574,7 +11574,7 @@
           </a:pPr>
           <a:r>
             <a:rPr lang="es-ES" sz="1200" kern="1200" dirty="0"/>
-            <a:t>las ZNI (zonas no interconectadas) representan el 52% aproximadamente de territorio nacional.</a:t>
+            <a:t>Las ZNI (zonas no interconectadas) representan el 52% aproximadamente de territorio nacional.</a:t>
           </a:r>
         </a:p>
       </dsp:txBody>
@@ -11729,7 +11729,7 @@
           </a:pPr>
           <a:r>
             <a:rPr lang="es-CO" sz="1400" b="1" kern="1200" dirty="0"/>
-            <a:t>LEY 1955 DEL 2019 CONGRESO DE COLOMBIA</a:t>
+            <a:t>LEY 1955 DEL 2019 - CONGRESO DE COLOMBIA</a:t>
           </a:r>
           <a:endParaRPr lang="es-CO" sz="1400" kern="1200" dirty="0"/>
         </a:p>
@@ -11868,7 +11868,7 @@
           </a:pPr>
           <a:r>
             <a:rPr lang="es-CO" sz="1400" b="1" kern="1200" dirty="0"/>
-            <a:t>LEY 1715 DEL 2014 CONGRESO DE COLOMBIA</a:t>
+            <a:t>LEY 1715 DEL 2014 - CONGRESO DE COLOMBIA</a:t>
           </a:r>
           <a:endParaRPr lang="es-CO" sz="1400" kern="1200" dirty="0"/>
         </a:p>
@@ -12008,7 +12008,7 @@
           </a:pPr>
           <a:r>
             <a:rPr lang="es-CO" sz="1400" b="1" kern="1200" dirty="0"/>
-            <a:t>REGLAMENTO TÉCNICO DE INSTALACIONES ELÉCTRICAS</a:t>
+            <a:t>REGLAMENTO TÉCNICO DE INSTALACIONES ELÉCTRICAS (RETIE)</a:t>
           </a:r>
           <a:endParaRPr lang="es-CO" sz="1400" kern="1200" dirty="0"/>
         </a:p>
@@ -28087,7 +28087,15 @@
             <a:pPr algn="just"/>
             <a:r>
               <a:rPr lang="es-CO" dirty="0"/>
-              <a:t>Los paneles están en exteriores afectados por altas temperaturas, Las células tienen una corriente de cortocircuito que aumenta ligeramente con la temperatura, pero aparece una disminución fuerte en la tensión de circuito abierto lo que afecta el potencial eléctrico, es decir, el rendimiento de la célula decrece con la temperatura.</a:t>
+              <a:t>Los paneles están en exteriores afectados por </a:t>
+            </a:r>
+            <a:r>
+              <a:rPr lang="es-CO"/>
+              <a:t>altas temperaturas. </a:t>
+            </a:r>
+            <a:r>
+              <a:rPr lang="es-CO" dirty="0"/>
+              <a:t>Las células tienen una corriente de cortocircuito que aumenta ligeramente con la temperatura, pero aparece una disminución fuerte en la tensión de circuito abierto lo que afecta el potencial eléctrico, es decir, el rendimiento de la célula decrece con la temperatura.</a:t>
             </a:r>
             <a:endParaRPr lang="es-ES" dirty="0"/>
           </a:p>
@@ -28724,7 +28732,7 @@
           <p:nvPr>
             <p:extLst>
               <p:ext uri="{D42A27DB-BD31-4B8C-83A1-F6EECF244321}">
-                <p14:modId xmlns:p14="http://schemas.microsoft.com/office/powerpoint/2010/main" val="3751386059"/>
+                <p14:modId xmlns:p14="http://schemas.microsoft.com/office/powerpoint/2010/main" val="2324726611"/>
               </p:ext>
             </p:extLst>
           </p:nvPr>
@@ -28810,7 +28818,7 @@
           <p:nvPr>
             <p:extLst>
               <p:ext uri="{D42A27DB-BD31-4B8C-83A1-F6EECF244321}">
-                <p14:modId xmlns:p14="http://schemas.microsoft.com/office/powerpoint/2010/main" val="1446070924"/>
+                <p14:modId xmlns:p14="http://schemas.microsoft.com/office/powerpoint/2010/main" val="861872678"/>
               </p:ext>
             </p:extLst>
           </p:nvPr>

--- a/Anteproyectos2021/ArchivosEntregables/Mayo/Exposicion_tesis_16052021.pptx
+++ b/Anteproyectos2021/ArchivosEntregables/Mayo/Exposicion_tesis_16052021.pptx
@@ -7621,7 +7621,15 @@
         <a:p>
           <a:r>
             <a:rPr lang="es-ES" sz="1200" dirty="0"/>
-            <a:t>Ley 1715 del 2014 y 1955 del 2019, leyes de regulación he impulso de ER.</a:t>
+            <a:t>Ley 1715 del 2014 y 1955 del 2019, leyes de </a:t>
+          </a:r>
+          <a:r>
+            <a:rPr lang="es-ES" sz="1200"/>
+            <a:t>regulación e </a:t>
+          </a:r>
+          <a:r>
+            <a:rPr lang="es-ES" sz="1200" dirty="0"/>
+            <a:t>impulso de ER.</a:t>
           </a:r>
         </a:p>
       </dgm:t>
@@ -11368,7 +11376,15 @@
           </a:pPr>
           <a:r>
             <a:rPr lang="es-ES" sz="1200" kern="1200" dirty="0"/>
-            <a:t>Ley 1715 del 2014 y 1955 del 2019, leyes de regulación he impulso de ER.</a:t>
+            <a:t>Ley 1715 del 2014 y 1955 del 2019, leyes de </a:t>
+          </a:r>
+          <a:r>
+            <a:rPr lang="es-ES" sz="1200" kern="1200"/>
+            <a:t>regulación e </a:t>
+          </a:r>
+          <a:r>
+            <a:rPr lang="es-ES" sz="1200" kern="1200" dirty="0"/>
+            <a:t>impulso de ER.</a:t>
           </a:r>
         </a:p>
       </dsp:txBody>
@@ -28732,7 +28748,7 @@
           <p:nvPr>
             <p:extLst>
               <p:ext uri="{D42A27DB-BD31-4B8C-83A1-F6EECF244321}">
-                <p14:modId xmlns:p14="http://schemas.microsoft.com/office/powerpoint/2010/main" val="2324726611"/>
+                <p14:modId xmlns:p14="http://schemas.microsoft.com/office/powerpoint/2010/main" val="4016606717"/>
               </p:ext>
             </p:extLst>
           </p:nvPr>
@@ -29493,15 +29509,6 @@
 </file>
 
 <file path=customXml/item2.xml><?xml version="1.0" encoding="utf-8"?>
-<?mso-contentType ?>
-<FormTemplates xmlns="http://schemas.microsoft.com/sharepoint/v3/contenttype/forms">
-  <Display>DocumentLibraryForm</Display>
-  <Edit>DocumentLibraryForm</Edit>
-  <New>DocumentLibraryForm</New>
-</FormTemplates>
-</file>
-
-<file path=customXml/item3.xml><?xml version="1.0" encoding="utf-8"?>
 <ct:contentTypeSchema xmlns:ct="http://schemas.microsoft.com/office/2006/metadata/contentType" xmlns:ma="http://schemas.microsoft.com/office/2006/metadata/properties/metaAttributes" ct:_="" ma:_="" ma:contentTypeName="Documento" ma:contentTypeID="0x0101003368A09EF4795B4D8D42C88900235298" ma:contentTypeVersion="0" ma:contentTypeDescription="Crear nuevo documento." ma:contentTypeScope="" ma:versionID="9884ae04ee6740a09aac08c2ec6aecf2">
   <xsd:schema xmlns:xsd="http://www.w3.org/2001/XMLSchema" xmlns:xs="http://www.w3.org/2001/XMLSchema" xmlns:p="http://schemas.microsoft.com/office/2006/metadata/properties" targetNamespace="http://schemas.microsoft.com/office/2006/metadata/properties" ma:root="true" ma:fieldsID="986dcc55fc7de7b749655be5365d3efe">
     <xsd:element name="properties">
@@ -29615,6 +29622,15 @@
 </ct:contentTypeSchema>
 </file>
 
+<file path=customXml/item3.xml><?xml version="1.0" encoding="utf-8"?>
+<?mso-contentType ?>
+<FormTemplates xmlns="http://schemas.microsoft.com/sharepoint/v3/contenttype/forms">
+  <Display>DocumentLibraryForm</Display>
+  <Edit>DocumentLibraryForm</Edit>
+  <New>DocumentLibraryForm</New>
+</FormTemplates>
+</file>
+
 <file path=customXml/itemProps1.xml><?xml version="1.0" encoding="utf-8"?>
 <ds:datastoreItem xmlns:ds="http://schemas.openxmlformats.org/officeDocument/2006/customXml" ds:itemID="{46BD7D53-8870-4901-9C75-3567A7CBAE5E}">
   <ds:schemaRefs>
@@ -29631,14 +29647,6 @@
 </file>
 
 <file path=customXml/itemProps2.xml><?xml version="1.0" encoding="utf-8"?>
-<ds:datastoreItem xmlns:ds="http://schemas.openxmlformats.org/officeDocument/2006/customXml" ds:itemID="{B04D8436-9529-41CE-BBCE-4D604027359A}">
-  <ds:schemaRefs>
-    <ds:schemaRef ds:uri="http://schemas.microsoft.com/sharepoint/v3/contenttype/forms"/>
-  </ds:schemaRefs>
-</ds:datastoreItem>
-</file>
-
-<file path=customXml/itemProps3.xml><?xml version="1.0" encoding="utf-8"?>
 <ds:datastoreItem xmlns:ds="http://schemas.openxmlformats.org/officeDocument/2006/customXml" ds:itemID="{31763BEB-9615-4A27-A42C-260763FAF135}">
   <ds:schemaRefs>
     <ds:schemaRef ds:uri="http://schemas.microsoft.com/office/2006/metadata/contentType"/>
@@ -29652,4 +29660,12 @@
     <ds:schemaRef ds:uri="http://schemas.microsoft.com/office/infopath/2007/PartnerControls"/>
   </ds:schemaRefs>
 </ds:datastoreItem>
+</file>
+
+<file path=customXml/itemProps3.xml><?xml version="1.0" encoding="utf-8"?>
+<ds:datastoreItem xmlns:ds="http://schemas.openxmlformats.org/officeDocument/2006/customXml" ds:itemID="{B04D8436-9529-41CE-BBCE-4D604027359A}">
+  <ds:schemaRefs>
+    <ds:schemaRef ds:uri="http://schemas.microsoft.com/sharepoint/v3/contenttype/forms"/>
+  </ds:schemaRefs>
+</ds:datastoreItem>
 </file>
--- a/Anteproyectos2021/ArchivosEntregables/Mayo/Exposicion_tesis_16052021.pptx
+++ b/Anteproyectos2021/ArchivosEntregables/Mayo/Exposicion_tesis_16052021.pptx
@@ -7548,23 +7548,22 @@
           </a:r>
         </a:p>
         <a:p>
+          <a:endParaRPr lang="es-ES" sz="1200" dirty="0"/>
+        </a:p>
+        <a:p>
           <a:r>
             <a:rPr lang="es-ES" sz="1200" dirty="0"/>
             <a:t>Década de los 50, se destaca en programas espaciales.</a:t>
           </a:r>
         </a:p>
         <a:p>
-          <a:r>
-            <a:rPr lang="es-ES" sz="1200" dirty="0"/>
-            <a:t>Llega a Colombia en los 80’s en el programa Telecomunicaciones rurales,</a:t>
-          </a:r>
+          <a:endParaRPr lang="es-ES" sz="1200" dirty="0"/>
         </a:p>
         <a:p>
           <a:r>
             <a:rPr lang="es-ES" sz="1200" dirty="0"/>
-            <a:t>se enfocaron en el sector rural.</a:t>
+            <a:t>Llega a Colombia en los 80’s en el programa Telecomunicaciones rurales.</a:t>
           </a:r>
-          <a:endParaRPr lang="es-CO" sz="1200" dirty="0"/>
         </a:p>
       </dgm:t>
     </dgm:pt>
@@ -8034,7 +8033,7 @@
           </a:pPr>
           <a:r>
             <a:rPr lang="es-CO" sz="1800" dirty="0"/>
-            <a:t>Tiene como objetivo sentar bases que permitan la igualdad de oportunidades para todos los colombianos, considerando que Colombia alcance los Objetivos de Desarrollo Sostenible al 2030 </a:t>
+            <a:t>Tiene como objetivo sentar bases que permitan la igualdad de oportunidades para todos los colombianos, considerando que Colombia alcance los Objetivos de Desarrollo Sostenible al 2030. </a:t>
           </a:r>
         </a:p>
       </dgm:t>
@@ -8079,7 +8078,7 @@
           </a:pPr>
           <a:r>
             <a:rPr lang="es-CO" sz="1800" dirty="0"/>
-            <a:t>Regula la integración de las energías renovables no convencionales al sistema energético nacional. Tiene como objetivo promover el desarrollo y la utilización de fuentes no convencionales para la producción de energía eléctrica </a:t>
+            <a:t>Regula la integración de las energías renovables no convencionales al sistema energético nacional. Tiene como objetivo promover el desarrollo y la utilización de fuentes no convencionales para la producción de energía eléctrica. </a:t>
           </a:r>
         </a:p>
       </dgm:t>
@@ -11161,6 +11160,21 @@
             </a:spcAft>
             <a:buNone/>
           </a:pPr>
+          <a:endParaRPr lang="es-ES" sz="1200" kern="1200" dirty="0"/>
+        </a:p>
+        <a:p>
+          <a:pPr marL="0" lvl="0" indent="0" algn="ctr" defTabSz="800100">
+            <a:lnSpc>
+              <a:spcPct val="90000"/>
+            </a:lnSpc>
+            <a:spcBef>
+              <a:spcPct val="0"/>
+            </a:spcBef>
+            <a:spcAft>
+              <a:spcPct val="35000"/>
+            </a:spcAft>
+            <a:buNone/>
+          </a:pPr>
           <a:r>
             <a:rPr lang="es-ES" sz="1200" kern="1200" dirty="0"/>
             <a:t>Década de los 50, se destaca en programas espaciales.</a:t>
@@ -11179,10 +11193,7 @@
             </a:spcAft>
             <a:buNone/>
           </a:pPr>
-          <a:r>
-            <a:rPr lang="es-ES" sz="1200" kern="1200" dirty="0"/>
-            <a:t>Llega a Colombia en los 80’s en el programa Telecomunicaciones rurales,</a:t>
-          </a:r>
+          <a:endParaRPr lang="es-ES" sz="1200" kern="1200" dirty="0"/>
         </a:p>
         <a:p>
           <a:pPr marL="0" lvl="0" indent="0" algn="ctr" defTabSz="800100">
@@ -11199,9 +11210,8 @@
           </a:pPr>
           <a:r>
             <a:rPr lang="es-ES" sz="1200" kern="1200" dirty="0"/>
-            <a:t>se enfocaron en el sector rural.</a:t>
+            <a:t>Llega a Colombia en los 80’s en el programa Telecomunicaciones rurales.</a:t>
           </a:r>
-          <a:endParaRPr lang="es-CO" sz="1200" kern="1200" dirty="0"/>
         </a:p>
       </dsp:txBody>
       <dsp:txXfrm rot="10800000">
@@ -11678,7 +11688,7 @@
           </a:pPr>
           <a:r>
             <a:rPr lang="es-CO" sz="1800" kern="1200" dirty="0"/>
-            <a:t>Tiene como objetivo sentar bases que permitan la igualdad de oportunidades para todos los colombianos, considerando que Colombia alcance los Objetivos de Desarrollo Sostenible al 2030 </a:t>
+            <a:t>Tiene como objetivo sentar bases que permitan la igualdad de oportunidades para todos los colombianos, considerando que Colombia alcance los Objetivos de Desarrollo Sostenible al 2030. </a:t>
           </a:r>
         </a:p>
       </dsp:txBody>
@@ -11817,7 +11827,7 @@
           </a:pPr>
           <a:r>
             <a:rPr lang="es-CO" sz="1800" kern="1200" dirty="0"/>
-            <a:t>Regula la integración de las energías renovables no convencionales al sistema energético nacional. Tiene como objetivo promover el desarrollo y la utilización de fuentes no convencionales para la producción de energía eléctrica </a:t>
+            <a:t>Regula la integración de las energías renovables no convencionales al sistema energético nacional. Tiene como objetivo promover el desarrollo y la utilización de fuentes no convencionales para la producción de energía eléctrica. </a:t>
           </a:r>
         </a:p>
       </dsp:txBody>
@@ -26495,7 +26505,7 @@
           <a:p>
             <a:r>
               <a:rPr lang="es-CO" sz="2000" dirty="0"/>
-              <a:t>Se establece un cronograma de actividades por 24 semanas (6 meses)  con 5 actividades principales que desglosa una serie de subactividades. Esto de la siguiente manera:</a:t>
+              <a:t>Se establece un cronograma de actividades por 24 semanas (6 meses)  con 5 actividades principales que desglosa una serie de subactividades. Se construye de la siguiente manera:</a:t>
             </a:r>
           </a:p>
         </p:txBody>
@@ -28748,7 +28758,7 @@
           <p:nvPr>
             <p:extLst>
               <p:ext uri="{D42A27DB-BD31-4B8C-83A1-F6EECF244321}">
-                <p14:modId xmlns:p14="http://schemas.microsoft.com/office/powerpoint/2010/main" val="4016606717"/>
+                <p14:modId xmlns:p14="http://schemas.microsoft.com/office/powerpoint/2010/main" val="3245933162"/>
               </p:ext>
             </p:extLst>
           </p:nvPr>
@@ -28834,7 +28844,7 @@
           <p:nvPr>
             <p:extLst>
               <p:ext uri="{D42A27DB-BD31-4B8C-83A1-F6EECF244321}">
-                <p14:modId xmlns:p14="http://schemas.microsoft.com/office/powerpoint/2010/main" val="861872678"/>
+                <p14:modId xmlns:p14="http://schemas.microsoft.com/office/powerpoint/2010/main" val="2571573208"/>
               </p:ext>
             </p:extLst>
           </p:nvPr>

--- a/Anteproyectos2021/ArchivosEntregables/Mayo/Exposicion_tesis_16052021.pptx
+++ b/Anteproyectos2021/ArchivosEntregables/Mayo/Exposicion_tesis_16052021.pptx
@@ -6282,6 +6282,13 @@
         </dgm:presLayoutVars>
       </dgm:prSet>
       <dgm:spPr/>
+      <dgm:t>
+        <a:bodyPr/>
+        <a:lstStyle/>
+        <a:p>
+          <a:endParaRPr lang="es-ES"/>
+        </a:p>
+      </dgm:t>
     </dgm:pt>
     <dgm:pt modelId="{006378F0-EF36-4502-BC55-402334DA7094}" type="pres">
       <dgm:prSet presAssocID="{AE1CFE53-6567-447A-BEF3-4980F09F2476}" presName="vertOne" presStyleCnt="0"/>
@@ -6294,6 +6301,13 @@
         </dgm:presLayoutVars>
       </dgm:prSet>
       <dgm:spPr/>
+      <dgm:t>
+        <a:bodyPr/>
+        <a:lstStyle/>
+        <a:p>
+          <a:endParaRPr lang="es-ES"/>
+        </a:p>
+      </dgm:t>
     </dgm:pt>
     <dgm:pt modelId="{F952E622-2609-4643-8802-6B0F5DFE254C}" type="pres">
       <dgm:prSet presAssocID="{AE1CFE53-6567-447A-BEF3-4980F09F2476}" presName="parTransOne" presStyleCnt="0"/>
@@ -6314,6 +6328,13 @@
         </dgm:presLayoutVars>
       </dgm:prSet>
       <dgm:spPr/>
+      <dgm:t>
+        <a:bodyPr/>
+        <a:lstStyle/>
+        <a:p>
+          <a:endParaRPr lang="es-ES"/>
+        </a:p>
+      </dgm:t>
     </dgm:pt>
     <dgm:pt modelId="{75120DB9-6C39-47E8-A972-B50ECEE8D13D}" type="pres">
       <dgm:prSet presAssocID="{329090C8-1781-4201-A6B7-FC4EA80B6333}" presName="horzTwo" presStyleCnt="0"/>
@@ -6334,6 +6355,13 @@
         </dgm:presLayoutVars>
       </dgm:prSet>
       <dgm:spPr/>
+      <dgm:t>
+        <a:bodyPr/>
+        <a:lstStyle/>
+        <a:p>
+          <a:endParaRPr lang="es-ES"/>
+        </a:p>
+      </dgm:t>
     </dgm:pt>
     <dgm:pt modelId="{1AE53D7C-EA39-4CEB-A69D-7CF44E2435BC}" type="pres">
       <dgm:prSet presAssocID="{E82CE0F6-8607-437B-9D47-0AD11918106B}" presName="horzTwo" presStyleCnt="0"/>
@@ -6354,6 +6382,13 @@
         </dgm:presLayoutVars>
       </dgm:prSet>
       <dgm:spPr/>
+      <dgm:t>
+        <a:bodyPr/>
+        <a:lstStyle/>
+        <a:p>
+          <a:endParaRPr lang="es-ES"/>
+        </a:p>
+      </dgm:t>
     </dgm:pt>
     <dgm:pt modelId="{D506ED62-E1CB-410E-969C-8FA39237A167}" type="pres">
       <dgm:prSet presAssocID="{E6BAA887-36D6-42F2-B860-D5E087399CBC}" presName="horzTwo" presStyleCnt="0"/>
@@ -6374,6 +6409,13 @@
         </dgm:presLayoutVars>
       </dgm:prSet>
       <dgm:spPr/>
+      <dgm:t>
+        <a:bodyPr/>
+        <a:lstStyle/>
+        <a:p>
+          <a:endParaRPr lang="es-ES"/>
+        </a:p>
+      </dgm:t>
     </dgm:pt>
     <dgm:pt modelId="{0C5E0F75-3E2E-43E5-8CBF-C87C72CEB624}" type="pres">
       <dgm:prSet presAssocID="{5189D1E7-C05C-4684-9F2D-EA50EBE60C83}" presName="horzTwo" presStyleCnt="0"/>
@@ -6381,17 +6423,17 @@
     </dgm:pt>
   </dgm:ptLst>
   <dgm:cxnLst>
-    <dgm:cxn modelId="{7B696621-40BF-4ED8-858D-AEEC58108A19}" type="presOf" srcId="{5189D1E7-C05C-4684-9F2D-EA50EBE60C83}" destId="{919EFA03-7FD3-475D-8634-9E6E6041890B}" srcOrd="0" destOrd="0" presId="urn:microsoft.com/office/officeart/2005/8/layout/hierarchy4"/>
-    <dgm:cxn modelId="{ABB2962B-58C5-4334-8130-35498D5F1770}" srcId="{28DC5D9E-4298-4B8F-AA3B-D4553E8BC09F}" destId="{AE1CFE53-6567-447A-BEF3-4980F09F2476}" srcOrd="0" destOrd="0" parTransId="{4F490256-F7B7-4D0E-BB06-7737267E30E0}" sibTransId="{11308813-64CF-4254-B74D-F7C47BC0BDF5}"/>
     <dgm:cxn modelId="{34AE006C-EF97-4F50-8A9B-9F6A491E1484}" type="presOf" srcId="{28DC5D9E-4298-4B8F-AA3B-D4553E8BC09F}" destId="{8FD4714E-EFFB-4313-BA76-2F107787BEA8}" srcOrd="0" destOrd="0" presId="urn:microsoft.com/office/officeart/2005/8/layout/hierarchy4"/>
+    <dgm:cxn modelId="{B646C579-E0B8-4D6A-8ECF-E37EA284D264}" type="presOf" srcId="{E6BAA887-36D6-42F2-B860-D5E087399CBC}" destId="{1CE6D6A1-0948-46C5-8B40-954DA47A680D}" srcOrd="0" destOrd="0" presId="urn:microsoft.com/office/officeart/2005/8/layout/hierarchy4"/>
+    <dgm:cxn modelId="{C6B68796-E2E3-4CBE-89A4-850A13D2E38C}" srcId="{AE1CFE53-6567-447A-BEF3-4980F09F2476}" destId="{E82CE0F6-8607-437B-9D47-0AD11918106B}" srcOrd="1" destOrd="0" parTransId="{9CD2B11C-EA56-45A6-BD97-A000A440B48A}" sibTransId="{F9C95847-4A3B-4868-91E7-0F687C3F44BC}"/>
+    <dgm:cxn modelId="{8AE2F79D-A01A-40E5-8037-D6AE3BCBADA4}" srcId="{AE1CFE53-6567-447A-BEF3-4980F09F2476}" destId="{5189D1E7-C05C-4684-9F2D-EA50EBE60C83}" srcOrd="3" destOrd="0" parTransId="{714295C5-082D-4494-B6BB-9AF59E7995A6}" sibTransId="{0F5A650C-DCD9-477C-9F4C-C02F9FA90885}"/>
     <dgm:cxn modelId="{AF497953-3977-4583-8798-8A15EF44B963}" type="presOf" srcId="{329090C8-1781-4201-A6B7-FC4EA80B6333}" destId="{33CE6FA8-1ED1-494A-8C9D-51143519985E}" srcOrd="0" destOrd="0" presId="urn:microsoft.com/office/officeart/2005/8/layout/hierarchy4"/>
-    <dgm:cxn modelId="{B646C579-E0B8-4D6A-8ECF-E37EA284D264}" type="presOf" srcId="{E6BAA887-36D6-42F2-B860-D5E087399CBC}" destId="{1CE6D6A1-0948-46C5-8B40-954DA47A680D}" srcOrd="0" destOrd="0" presId="urn:microsoft.com/office/officeart/2005/8/layout/hierarchy4"/>
+    <dgm:cxn modelId="{2C633DBC-3B39-4A01-9D39-02014CDDEB3A}" srcId="{AE1CFE53-6567-447A-BEF3-4980F09F2476}" destId="{329090C8-1781-4201-A6B7-FC4EA80B6333}" srcOrd="0" destOrd="0" parTransId="{15A13E90-ABC0-4588-A1D0-075FD62B5930}" sibTransId="{BB9390EE-C7C8-4526-8270-4F896B9A27CF}"/>
+    <dgm:cxn modelId="{D71030E4-6FD5-445A-8D32-AD751809B4D4}" srcId="{AE1CFE53-6567-447A-BEF3-4980F09F2476}" destId="{E6BAA887-36D6-42F2-B860-D5E087399CBC}" srcOrd="2" destOrd="0" parTransId="{08418AF3-79E0-43E8-BF82-FED5657A88D7}" sibTransId="{DD031BBB-149A-4EA5-A3C0-400ED8C7D07C}"/>
     <dgm:cxn modelId="{1C601882-E67D-4DA6-A6CC-7ABBAAEA71DF}" type="presOf" srcId="{E82CE0F6-8607-437B-9D47-0AD11918106B}" destId="{C69521CD-65ED-4332-A11E-790E5D66E600}" srcOrd="0" destOrd="0" presId="urn:microsoft.com/office/officeart/2005/8/layout/hierarchy4"/>
     <dgm:cxn modelId="{8843B586-2307-4326-A597-69C808B835F3}" type="presOf" srcId="{AE1CFE53-6567-447A-BEF3-4980F09F2476}" destId="{277A4076-1DD4-4009-B50B-A0ABD903ED24}" srcOrd="0" destOrd="0" presId="urn:microsoft.com/office/officeart/2005/8/layout/hierarchy4"/>
-    <dgm:cxn modelId="{C6B68796-E2E3-4CBE-89A4-850A13D2E38C}" srcId="{AE1CFE53-6567-447A-BEF3-4980F09F2476}" destId="{E82CE0F6-8607-437B-9D47-0AD11918106B}" srcOrd="1" destOrd="0" parTransId="{9CD2B11C-EA56-45A6-BD97-A000A440B48A}" sibTransId="{F9C95847-4A3B-4868-91E7-0F687C3F44BC}"/>
-    <dgm:cxn modelId="{8AE2F79D-A01A-40E5-8037-D6AE3BCBADA4}" srcId="{AE1CFE53-6567-447A-BEF3-4980F09F2476}" destId="{5189D1E7-C05C-4684-9F2D-EA50EBE60C83}" srcOrd="3" destOrd="0" parTransId="{714295C5-082D-4494-B6BB-9AF59E7995A6}" sibTransId="{0F5A650C-DCD9-477C-9F4C-C02F9FA90885}"/>
-    <dgm:cxn modelId="{2C633DBC-3B39-4A01-9D39-02014CDDEB3A}" srcId="{AE1CFE53-6567-447A-BEF3-4980F09F2476}" destId="{329090C8-1781-4201-A6B7-FC4EA80B6333}" srcOrd="0" destOrd="0" parTransId="{15A13E90-ABC0-4588-A1D0-075FD62B5930}" sibTransId="{BB9390EE-C7C8-4526-8270-4F896B9A27CF}"/>
-    <dgm:cxn modelId="{D71030E4-6FD5-445A-8D32-AD751809B4D4}" srcId="{AE1CFE53-6567-447A-BEF3-4980F09F2476}" destId="{E6BAA887-36D6-42F2-B860-D5E087399CBC}" srcOrd="2" destOrd="0" parTransId="{08418AF3-79E0-43E8-BF82-FED5657A88D7}" sibTransId="{DD031BBB-149A-4EA5-A3C0-400ED8C7D07C}"/>
+    <dgm:cxn modelId="{ABB2962B-58C5-4334-8130-35498D5F1770}" srcId="{28DC5D9E-4298-4B8F-AA3B-D4553E8BC09F}" destId="{AE1CFE53-6567-447A-BEF3-4980F09F2476}" srcOrd="0" destOrd="0" parTransId="{4F490256-F7B7-4D0E-BB06-7737267E30E0}" sibTransId="{11308813-64CF-4254-B74D-F7C47BC0BDF5}"/>
+    <dgm:cxn modelId="{7B696621-40BF-4ED8-858D-AEEC58108A19}" type="presOf" srcId="{5189D1E7-C05C-4684-9F2D-EA50EBE60C83}" destId="{919EFA03-7FD3-475D-8634-9E6E6041890B}" srcOrd="0" destOrd="0" presId="urn:microsoft.com/office/officeart/2005/8/layout/hierarchy4"/>
     <dgm:cxn modelId="{1753740E-F56F-4A67-9C8A-0FBE406DE2F5}" type="presParOf" srcId="{8FD4714E-EFFB-4313-BA76-2F107787BEA8}" destId="{006378F0-EF36-4502-BC55-402334DA7094}" srcOrd="0" destOrd="0" presId="urn:microsoft.com/office/officeart/2005/8/layout/hierarchy4"/>
     <dgm:cxn modelId="{04C9726C-57B2-4F1A-B9FC-D6A733F1DED6}" type="presParOf" srcId="{006378F0-EF36-4502-BC55-402334DA7094}" destId="{277A4076-1DD4-4009-B50B-A0ABD903ED24}" srcOrd="0" destOrd="0" presId="urn:microsoft.com/office/officeart/2005/8/layout/hierarchy4"/>
     <dgm:cxn modelId="{B2BEE0EE-E9CE-40E2-B47A-93DC3CFB803B}" type="presParOf" srcId="{006378F0-EF36-4502-BC55-402334DA7094}" destId="{F952E622-2609-4643-8802-6B0F5DFE254C}" srcOrd="1" destOrd="0" presId="urn:microsoft.com/office/officeart/2005/8/layout/hierarchy4"/>
@@ -6644,10 +6686,24 @@
         </dgm:presLayoutVars>
       </dgm:prSet>
       <dgm:spPr/>
+      <dgm:t>
+        <a:bodyPr/>
+        <a:lstStyle/>
+        <a:p>
+          <a:endParaRPr lang="es-ES"/>
+        </a:p>
+      </dgm:t>
     </dgm:pt>
     <dgm:pt modelId="{DAF1A5F7-106B-443A-A175-96689E893204}" type="pres">
       <dgm:prSet presAssocID="{FA68B465-9817-4EA0-B96A-EEAA6B61FC2D}" presName="centerShape" presStyleLbl="node0" presStyleIdx="0" presStyleCnt="1"/>
       <dgm:spPr/>
+      <dgm:t>
+        <a:bodyPr/>
+        <a:lstStyle/>
+        <a:p>
+          <a:endParaRPr lang="es-ES"/>
+        </a:p>
+      </dgm:t>
     </dgm:pt>
     <dgm:pt modelId="{69D0BAAA-FD8B-4174-8AA2-3752C2CACAD2}" type="pres">
       <dgm:prSet presAssocID="{6A686F7D-50BF-432A-97D7-D964191DA177}" presName="node" presStyleLbl="node1" presStyleIdx="0" presStyleCnt="4">
@@ -6656,6 +6712,13 @@
         </dgm:presLayoutVars>
       </dgm:prSet>
       <dgm:spPr/>
+      <dgm:t>
+        <a:bodyPr/>
+        <a:lstStyle/>
+        <a:p>
+          <a:endParaRPr lang="es-ES"/>
+        </a:p>
+      </dgm:t>
     </dgm:pt>
     <dgm:pt modelId="{BFAE7BCF-386B-4A52-A1A6-256E3400A285}" type="pres">
       <dgm:prSet presAssocID="{6A686F7D-50BF-432A-97D7-D964191DA177}" presName="dummy" presStyleCnt="0"/>
@@ -6664,6 +6727,13 @@
     <dgm:pt modelId="{036DE3FC-BED1-4995-BB57-86AFAADE8362}" type="pres">
       <dgm:prSet presAssocID="{69BED27B-3888-4DFC-ADFC-AF2F7EE2DE44}" presName="sibTrans" presStyleLbl="sibTrans2D1" presStyleIdx="0" presStyleCnt="4"/>
       <dgm:spPr/>
+      <dgm:t>
+        <a:bodyPr/>
+        <a:lstStyle/>
+        <a:p>
+          <a:endParaRPr lang="es-ES"/>
+        </a:p>
+      </dgm:t>
     </dgm:pt>
     <dgm:pt modelId="{6B6EEFDC-5340-4498-9732-AA21D1E9B68E}" type="pres">
       <dgm:prSet presAssocID="{99A42614-5309-4644-8B18-3DFDFFBD1A9E}" presName="node" presStyleLbl="node1" presStyleIdx="1" presStyleCnt="4">
@@ -6672,6 +6742,13 @@
         </dgm:presLayoutVars>
       </dgm:prSet>
       <dgm:spPr/>
+      <dgm:t>
+        <a:bodyPr/>
+        <a:lstStyle/>
+        <a:p>
+          <a:endParaRPr lang="es-ES"/>
+        </a:p>
+      </dgm:t>
     </dgm:pt>
     <dgm:pt modelId="{7D01E33F-E55D-4B71-89C2-64DE19F02031}" type="pres">
       <dgm:prSet presAssocID="{99A42614-5309-4644-8B18-3DFDFFBD1A9E}" presName="dummy" presStyleCnt="0"/>
@@ -6680,6 +6757,13 @@
     <dgm:pt modelId="{0A4F33ED-CE9B-4E0F-A262-78A982AC1297}" type="pres">
       <dgm:prSet presAssocID="{430828C2-C8DB-4701-AAC4-54067C30B918}" presName="sibTrans" presStyleLbl="sibTrans2D1" presStyleIdx="1" presStyleCnt="4"/>
       <dgm:spPr/>
+      <dgm:t>
+        <a:bodyPr/>
+        <a:lstStyle/>
+        <a:p>
+          <a:endParaRPr lang="es-ES"/>
+        </a:p>
+      </dgm:t>
     </dgm:pt>
     <dgm:pt modelId="{D72178A1-EA49-4555-A511-5A3F510D00BA}" type="pres">
       <dgm:prSet presAssocID="{132199A2-ECA5-4C03-931B-3442EA39F935}" presName="node" presStyleLbl="node1" presStyleIdx="2" presStyleCnt="4">
@@ -6688,6 +6772,13 @@
         </dgm:presLayoutVars>
       </dgm:prSet>
       <dgm:spPr/>
+      <dgm:t>
+        <a:bodyPr/>
+        <a:lstStyle/>
+        <a:p>
+          <a:endParaRPr lang="es-ES"/>
+        </a:p>
+      </dgm:t>
     </dgm:pt>
     <dgm:pt modelId="{86DBC26B-EE49-4252-8992-DF2A1C9DC399}" type="pres">
       <dgm:prSet presAssocID="{132199A2-ECA5-4C03-931B-3442EA39F935}" presName="dummy" presStyleCnt="0"/>
@@ -6696,6 +6787,13 @@
     <dgm:pt modelId="{35244E1B-1877-49C2-98CA-B1DA0B08E18C}" type="pres">
       <dgm:prSet presAssocID="{FCF91A65-DD3F-4BCA-9C02-9A3DA9A7C91D}" presName="sibTrans" presStyleLbl="sibTrans2D1" presStyleIdx="2" presStyleCnt="4"/>
       <dgm:spPr/>
+      <dgm:t>
+        <a:bodyPr/>
+        <a:lstStyle/>
+        <a:p>
+          <a:endParaRPr lang="es-ES"/>
+        </a:p>
+      </dgm:t>
     </dgm:pt>
     <dgm:pt modelId="{D6D1EDE7-5B66-4E11-99ED-C7A1E5C52F5B}" type="pres">
       <dgm:prSet presAssocID="{55D2D142-B354-4DC2-B543-AAAD8052D00B}" presName="node" presStyleLbl="node1" presStyleIdx="3" presStyleCnt="4">
@@ -6704,6 +6802,13 @@
         </dgm:presLayoutVars>
       </dgm:prSet>
       <dgm:spPr/>
+      <dgm:t>
+        <a:bodyPr/>
+        <a:lstStyle/>
+        <a:p>
+          <a:endParaRPr lang="es-ES"/>
+        </a:p>
+      </dgm:t>
     </dgm:pt>
     <dgm:pt modelId="{C8CFDF08-F69D-4368-8D56-AEA513BFE179}" type="pres">
       <dgm:prSet presAssocID="{55D2D142-B354-4DC2-B543-AAAD8052D00B}" presName="dummy" presStyleCnt="0"/>
@@ -6712,24 +6817,31 @@
     <dgm:pt modelId="{092B2524-8606-4593-99C4-9CF49636453E}" type="pres">
       <dgm:prSet presAssocID="{721D7238-6175-43BD-8E60-ADB83ECC8304}" presName="sibTrans" presStyleLbl="sibTrans2D1" presStyleIdx="3" presStyleCnt="4"/>
       <dgm:spPr/>
+      <dgm:t>
+        <a:bodyPr/>
+        <a:lstStyle/>
+        <a:p>
+          <a:endParaRPr lang="es-ES"/>
+        </a:p>
+      </dgm:t>
     </dgm:pt>
   </dgm:ptLst>
   <dgm:cxnLst>
+    <dgm:cxn modelId="{18F7DE29-F7A5-426B-864C-06A162F31300}" srcId="{350ABC13-312C-4DC7-BD80-6E9617CE4622}" destId="{FA68B465-9817-4EA0-B96A-EEAA6B61FC2D}" srcOrd="0" destOrd="0" parTransId="{60159C63-B3D8-4179-8ACC-81E44243BB71}" sibTransId="{36C9354D-F64E-4142-8C78-1A1188A2A7A3}"/>
+    <dgm:cxn modelId="{B17A6C20-2569-4CC2-8A0E-11CC36CE26BC}" srcId="{FA68B465-9817-4EA0-B96A-EEAA6B61FC2D}" destId="{6A686F7D-50BF-432A-97D7-D964191DA177}" srcOrd="0" destOrd="0" parTransId="{8C3D646E-1DF5-4E19-A2A0-498DCFC222F7}" sibTransId="{69BED27B-3888-4DFC-ADFC-AF2F7EE2DE44}"/>
     <dgm:cxn modelId="{9C8BF31F-72AD-4989-B600-C5F580E1042B}" type="presOf" srcId="{69BED27B-3888-4DFC-ADFC-AF2F7EE2DE44}" destId="{036DE3FC-BED1-4995-BB57-86AFAADE8362}" srcOrd="0" destOrd="0" presId="urn:microsoft.com/office/officeart/2005/8/layout/radial6"/>
-    <dgm:cxn modelId="{B17A6C20-2569-4CC2-8A0E-11CC36CE26BC}" srcId="{FA68B465-9817-4EA0-B96A-EEAA6B61FC2D}" destId="{6A686F7D-50BF-432A-97D7-D964191DA177}" srcOrd="0" destOrd="0" parTransId="{8C3D646E-1DF5-4E19-A2A0-498DCFC222F7}" sibTransId="{69BED27B-3888-4DFC-ADFC-AF2F7EE2DE44}"/>
-    <dgm:cxn modelId="{18F7DE29-F7A5-426B-864C-06A162F31300}" srcId="{350ABC13-312C-4DC7-BD80-6E9617CE4622}" destId="{FA68B465-9817-4EA0-B96A-EEAA6B61FC2D}" srcOrd="0" destOrd="0" parTransId="{60159C63-B3D8-4179-8ACC-81E44243BB71}" sibTransId="{36C9354D-F64E-4142-8C78-1A1188A2A7A3}"/>
+    <dgm:cxn modelId="{EFBF9179-CF5B-49AB-9174-FA386767A1D4}" type="presOf" srcId="{6A686F7D-50BF-432A-97D7-D964191DA177}" destId="{69D0BAAA-FD8B-4174-8AA2-3752C2CACAD2}" srcOrd="0" destOrd="0" presId="urn:microsoft.com/office/officeart/2005/8/layout/radial6"/>
     <dgm:cxn modelId="{8DE80766-7AFE-408C-A1EA-1933066BB349}" srcId="{FA68B465-9817-4EA0-B96A-EEAA6B61FC2D}" destId="{55D2D142-B354-4DC2-B543-AAAD8052D00B}" srcOrd="3" destOrd="0" parTransId="{EA41A59F-A174-4B7B-BFA6-49096F5A2CAF}" sibTransId="{721D7238-6175-43BD-8E60-ADB83ECC8304}"/>
+    <dgm:cxn modelId="{A53D32A5-BD00-441F-90E2-877C6D2D88E7}" type="presOf" srcId="{350ABC13-312C-4DC7-BD80-6E9617CE4622}" destId="{C9104E24-7C10-4E27-8BB1-D43141B29F2C}" srcOrd="0" destOrd="0" presId="urn:microsoft.com/office/officeart/2005/8/layout/radial6"/>
+    <dgm:cxn modelId="{0FD31DD9-4D27-4152-9328-E96250AE83CE}" type="presOf" srcId="{721D7238-6175-43BD-8E60-ADB83ECC8304}" destId="{092B2524-8606-4593-99C4-9CF49636453E}" srcOrd="0" destOrd="0" presId="urn:microsoft.com/office/officeart/2005/8/layout/radial6"/>
     <dgm:cxn modelId="{FD7E3A74-5C00-4BA7-A6D3-0FE9194AB02E}" type="presOf" srcId="{55D2D142-B354-4DC2-B543-AAAD8052D00B}" destId="{D6D1EDE7-5B66-4E11-99ED-C7A1E5C52F5B}" srcOrd="0" destOrd="0" presId="urn:microsoft.com/office/officeart/2005/8/layout/radial6"/>
+    <dgm:cxn modelId="{42F16CC3-FC0F-4AC8-98C0-BE27E41C4525}" type="presOf" srcId="{FCF91A65-DD3F-4BCA-9C02-9A3DA9A7C91D}" destId="{35244E1B-1877-49C2-98CA-B1DA0B08E18C}" srcOrd="0" destOrd="0" presId="urn:microsoft.com/office/officeart/2005/8/layout/radial6"/>
+    <dgm:cxn modelId="{FCDDC3DF-CD4B-467C-AE4C-C73694869481}" srcId="{FA68B465-9817-4EA0-B96A-EEAA6B61FC2D}" destId="{99A42614-5309-4644-8B18-3DFDFFBD1A9E}" srcOrd="1" destOrd="0" parTransId="{9D03C59D-C0BF-4134-98C2-03052C4B29E5}" sibTransId="{430828C2-C8DB-4701-AAC4-54067C30B918}"/>
     <dgm:cxn modelId="{8D52DD76-449C-4CAC-9C61-326AB187027C}" type="presOf" srcId="{132199A2-ECA5-4C03-931B-3442EA39F935}" destId="{D72178A1-EA49-4555-A511-5A3F510D00BA}" srcOrd="0" destOrd="0" presId="urn:microsoft.com/office/officeart/2005/8/layout/radial6"/>
-    <dgm:cxn modelId="{EFBF9179-CF5B-49AB-9174-FA386767A1D4}" type="presOf" srcId="{6A686F7D-50BF-432A-97D7-D964191DA177}" destId="{69D0BAAA-FD8B-4174-8AA2-3752C2CACAD2}" srcOrd="0" destOrd="0" presId="urn:microsoft.com/office/officeart/2005/8/layout/radial6"/>
     <dgm:cxn modelId="{68BD857A-4D04-4545-B800-9ED259338EB5}" type="presOf" srcId="{FA68B465-9817-4EA0-B96A-EEAA6B61FC2D}" destId="{DAF1A5F7-106B-443A-A175-96689E893204}" srcOrd="0" destOrd="0" presId="urn:microsoft.com/office/officeart/2005/8/layout/radial6"/>
+    <dgm:cxn modelId="{F0F755EE-3E6B-4273-BEA0-760E51A9984A}" srcId="{FA68B465-9817-4EA0-B96A-EEAA6B61FC2D}" destId="{132199A2-ECA5-4C03-931B-3442EA39F935}" srcOrd="2" destOrd="0" parTransId="{BDF1ADB1-0DBF-45A4-95B2-6C1C291215AC}" sibTransId="{FCF91A65-DD3F-4BCA-9C02-9A3DA9A7C91D}"/>
     <dgm:cxn modelId="{107A4D88-3B81-4C8B-AEA2-6A1B50928E3D}" type="presOf" srcId="{430828C2-C8DB-4701-AAC4-54067C30B918}" destId="{0A4F33ED-CE9B-4E0F-A262-78A982AC1297}" srcOrd="0" destOrd="0" presId="urn:microsoft.com/office/officeart/2005/8/layout/radial6"/>
-    <dgm:cxn modelId="{A53D32A5-BD00-441F-90E2-877C6D2D88E7}" type="presOf" srcId="{350ABC13-312C-4DC7-BD80-6E9617CE4622}" destId="{C9104E24-7C10-4E27-8BB1-D43141B29F2C}" srcOrd="0" destOrd="0" presId="urn:microsoft.com/office/officeart/2005/8/layout/radial6"/>
-    <dgm:cxn modelId="{42F16CC3-FC0F-4AC8-98C0-BE27E41C4525}" type="presOf" srcId="{FCF91A65-DD3F-4BCA-9C02-9A3DA9A7C91D}" destId="{35244E1B-1877-49C2-98CA-B1DA0B08E18C}" srcOrd="0" destOrd="0" presId="urn:microsoft.com/office/officeart/2005/8/layout/radial6"/>
     <dgm:cxn modelId="{DA3078C7-26D2-4B82-BC2C-CD01F209A7B9}" type="presOf" srcId="{99A42614-5309-4644-8B18-3DFDFFBD1A9E}" destId="{6B6EEFDC-5340-4498-9732-AA21D1E9B68E}" srcOrd="0" destOrd="0" presId="urn:microsoft.com/office/officeart/2005/8/layout/radial6"/>
-    <dgm:cxn modelId="{0FD31DD9-4D27-4152-9328-E96250AE83CE}" type="presOf" srcId="{721D7238-6175-43BD-8E60-ADB83ECC8304}" destId="{092B2524-8606-4593-99C4-9CF49636453E}" srcOrd="0" destOrd="0" presId="urn:microsoft.com/office/officeart/2005/8/layout/radial6"/>
-    <dgm:cxn modelId="{FCDDC3DF-CD4B-467C-AE4C-C73694869481}" srcId="{FA68B465-9817-4EA0-B96A-EEAA6B61FC2D}" destId="{99A42614-5309-4644-8B18-3DFDFFBD1A9E}" srcOrd="1" destOrd="0" parTransId="{9D03C59D-C0BF-4134-98C2-03052C4B29E5}" sibTransId="{430828C2-C8DB-4701-AAC4-54067C30B918}"/>
-    <dgm:cxn modelId="{F0F755EE-3E6B-4273-BEA0-760E51A9984A}" srcId="{FA68B465-9817-4EA0-B96A-EEAA6B61FC2D}" destId="{132199A2-ECA5-4C03-931B-3442EA39F935}" srcOrd="2" destOrd="0" parTransId="{BDF1ADB1-0DBF-45A4-95B2-6C1C291215AC}" sibTransId="{FCF91A65-DD3F-4BCA-9C02-9A3DA9A7C91D}"/>
     <dgm:cxn modelId="{A6E56526-09C5-4836-B6BF-1DF43A454494}" type="presParOf" srcId="{C9104E24-7C10-4E27-8BB1-D43141B29F2C}" destId="{DAF1A5F7-106B-443A-A175-96689E893204}" srcOrd="0" destOrd="0" presId="urn:microsoft.com/office/officeart/2005/8/layout/radial6"/>
     <dgm:cxn modelId="{89969A86-CDA0-417D-B943-0304C298A3AD}" type="presParOf" srcId="{C9104E24-7C10-4E27-8BB1-D43141B29F2C}" destId="{69D0BAAA-FD8B-4174-8AA2-3752C2CACAD2}" srcOrd="1" destOrd="0" presId="urn:microsoft.com/office/officeart/2005/8/layout/radial6"/>
     <dgm:cxn modelId="{2E849C29-1257-46A8-B80B-077FB0428D4A}" type="presParOf" srcId="{C9104E24-7C10-4E27-8BB1-D43141B29F2C}" destId="{BFAE7BCF-386B-4A52-A1A6-256E3400A285}" srcOrd="2" destOrd="0" presId="urn:microsoft.com/office/officeart/2005/8/layout/radial6"/>
@@ -6961,6 +7073,13 @@
         </dgm:presLayoutVars>
       </dgm:prSet>
       <dgm:spPr/>
+      <dgm:t>
+        <a:bodyPr/>
+        <a:lstStyle/>
+        <a:p>
+          <a:endParaRPr lang="es-ES"/>
+        </a:p>
+      </dgm:t>
     </dgm:pt>
     <dgm:pt modelId="{ACA3A40B-9C65-4253-82E0-B630DAA4DC1B}" type="pres">
       <dgm:prSet presAssocID="{CF78DF7B-4574-48F1-9273-9B09ADDCB154}" presName="composite" presStyleCnt="0"/>
@@ -6973,6 +7092,13 @@
         </dgm:presLayoutVars>
       </dgm:prSet>
       <dgm:spPr/>
+      <dgm:t>
+        <a:bodyPr/>
+        <a:lstStyle/>
+        <a:p>
+          <a:endParaRPr lang="es-ES"/>
+        </a:p>
+      </dgm:t>
     </dgm:pt>
     <dgm:pt modelId="{DDEE63D0-9C2C-4F89-82AB-AFEA3FFC0731}" type="pres">
       <dgm:prSet presAssocID="{CF78DF7B-4574-48F1-9273-9B09ADDCB154}" presName="rect2" presStyleLbl="fgImgPlace1" presStyleIdx="0" presStyleCnt="5" custLinFactNeighborX="-44578" custLinFactNeighborY="4755"/>
@@ -7000,6 +7126,13 @@
         </dgm:presLayoutVars>
       </dgm:prSet>
       <dgm:spPr/>
+      <dgm:t>
+        <a:bodyPr/>
+        <a:lstStyle/>
+        <a:p>
+          <a:endParaRPr lang="es-ES"/>
+        </a:p>
+      </dgm:t>
     </dgm:pt>
     <dgm:pt modelId="{19D37715-5122-4898-A8C2-B9BE948CEC4B}" type="pres">
       <dgm:prSet presAssocID="{3FAE1285-EC7D-46BF-9F73-A7AE0CDDDE34}" presName="rect2" presStyleLbl="fgImgPlace1" presStyleIdx="1" presStyleCnt="5" custLinFactNeighborX="-780" custLinFactNeighborY="1645"/>
@@ -7027,6 +7160,13 @@
         </dgm:presLayoutVars>
       </dgm:prSet>
       <dgm:spPr/>
+      <dgm:t>
+        <a:bodyPr/>
+        <a:lstStyle/>
+        <a:p>
+          <a:endParaRPr lang="es-ES"/>
+        </a:p>
+      </dgm:t>
     </dgm:pt>
     <dgm:pt modelId="{453E0C3F-D199-44C1-BAAA-078379CFFB60}" type="pres">
       <dgm:prSet presAssocID="{99A1CC7E-C0CC-455B-9366-703E81BEF337}" presName="rect2" presStyleLbl="fgImgPlace1" presStyleIdx="2" presStyleCnt="5" custLinFactNeighborX="-44578" custLinFactNeighborY="4755"/>
@@ -7054,6 +7194,13 @@
         </dgm:presLayoutVars>
       </dgm:prSet>
       <dgm:spPr/>
+      <dgm:t>
+        <a:bodyPr/>
+        <a:lstStyle/>
+        <a:p>
+          <a:endParaRPr lang="es-ES"/>
+        </a:p>
+      </dgm:t>
     </dgm:pt>
     <dgm:pt modelId="{28B407BB-589A-4698-B256-5761D18B387C}" type="pres">
       <dgm:prSet presAssocID="{B9FC3B94-420F-4EF4-951F-573D7F8A7A5E}" presName="rect2" presStyleLbl="fgImgPlace1" presStyleIdx="3" presStyleCnt="5" custLinFactNeighborX="-7622" custLinFactNeighborY="1016"/>
@@ -7081,6 +7228,13 @@
         </dgm:presLayoutVars>
       </dgm:prSet>
       <dgm:spPr/>
+      <dgm:t>
+        <a:bodyPr/>
+        <a:lstStyle/>
+        <a:p>
+          <a:endParaRPr lang="es-ES"/>
+        </a:p>
+      </dgm:t>
     </dgm:pt>
     <dgm:pt modelId="{536938B3-1C03-41CB-9E25-D06991687B18}" type="pres">
       <dgm:prSet presAssocID="{E4105B64-E845-4B03-A228-509966182EC7}" presName="rect2" presStyleLbl="fgImgPlace1" presStyleIdx="4" presStyleCnt="5"/>
@@ -7095,17 +7249,17 @@
     </dgm:pt>
   </dgm:ptLst>
   <dgm:cxnLst>
+    <dgm:cxn modelId="{C27BEA6E-1BEF-4795-B0E2-0CD2AED86846}" srcId="{A5E0C8ED-9BD9-4604-81BC-C2DF4B75C9B9}" destId="{3FAE1285-EC7D-46BF-9F73-A7AE0CDDDE34}" srcOrd="1" destOrd="0" parTransId="{D65E7C53-B4B0-44E0-9779-D3A1C1E064B2}" sibTransId="{B6C21873-26E0-41EF-BD50-06C3E3F3A2D2}"/>
+    <dgm:cxn modelId="{D40C5FA3-B1E4-4550-8AB3-AD0A32048F3F}" type="presOf" srcId="{A5E0C8ED-9BD9-4604-81BC-C2DF4B75C9B9}" destId="{A9B15E4E-F7E3-4A5B-B45C-35FDB100D939}" srcOrd="0" destOrd="0" presId="urn:microsoft.com/office/officeart/2008/layout/PictureStrips"/>
+    <dgm:cxn modelId="{BEE50E7F-B8F3-4D47-8037-6B182BA35728}" type="presOf" srcId="{E4105B64-E845-4B03-A228-509966182EC7}" destId="{863EBD93-9A8F-4525-99FD-5C59A26A1833}" srcOrd="0" destOrd="0" presId="urn:microsoft.com/office/officeart/2008/layout/PictureStrips"/>
+    <dgm:cxn modelId="{E30554D6-7306-4C8E-9B58-CCD879DAD96D}" type="presOf" srcId="{99A1CC7E-C0CC-455B-9366-703E81BEF337}" destId="{5D555DC9-032D-4486-B491-E1D11B022524}" srcOrd="0" destOrd="0" presId="urn:microsoft.com/office/officeart/2008/layout/PictureStrips"/>
+    <dgm:cxn modelId="{9857F2CD-D4C8-4E19-9968-B33C9197C653}" srcId="{A5E0C8ED-9BD9-4604-81BC-C2DF4B75C9B9}" destId="{99A1CC7E-C0CC-455B-9366-703E81BEF337}" srcOrd="2" destOrd="0" parTransId="{57694F8C-6334-4EE8-A4C0-614201065664}" sibTransId="{B8AF11FC-1056-469D-9127-2A9F02663A04}"/>
+    <dgm:cxn modelId="{BC09F72B-3998-4454-B4F9-CF0A142444AB}" type="presOf" srcId="{CF78DF7B-4574-48F1-9273-9B09ADDCB154}" destId="{4179658F-6546-4129-A631-78D6602F6890}" srcOrd="0" destOrd="0" presId="urn:microsoft.com/office/officeart/2008/layout/PictureStrips"/>
+    <dgm:cxn modelId="{C3BC4944-FCCD-49C1-8A36-F5950319EDC3}" type="presOf" srcId="{3FAE1285-EC7D-46BF-9F73-A7AE0CDDDE34}" destId="{3883E5B6-25D9-4DB6-B091-E753AA5F2589}" srcOrd="0" destOrd="0" presId="urn:microsoft.com/office/officeart/2008/layout/PictureStrips"/>
+    <dgm:cxn modelId="{7823F72F-BA57-467A-9AB0-84311C8D0ED2}" type="presOf" srcId="{B9FC3B94-420F-4EF4-951F-573D7F8A7A5E}" destId="{7D1F1570-1254-4B82-91F6-A3836F60450E}" srcOrd="0" destOrd="0" presId="urn:microsoft.com/office/officeart/2008/layout/PictureStrips"/>
+    <dgm:cxn modelId="{15155164-9309-4121-A82B-92487E5537DD}" srcId="{A5E0C8ED-9BD9-4604-81BC-C2DF4B75C9B9}" destId="{B9FC3B94-420F-4EF4-951F-573D7F8A7A5E}" srcOrd="3" destOrd="0" parTransId="{5D4F7BDC-AA41-493D-B913-92E36B230ED3}" sibTransId="{98BA742A-0751-488B-81CF-4A2D850A052B}"/>
     <dgm:cxn modelId="{2AA96720-C9C8-437A-88E2-8BE06DD0273E}" srcId="{A5E0C8ED-9BD9-4604-81BC-C2DF4B75C9B9}" destId="{CF78DF7B-4574-48F1-9273-9B09ADDCB154}" srcOrd="0" destOrd="0" parTransId="{C550AC3D-6C24-45A2-82AF-358DC8616581}" sibTransId="{55DAF659-9AA0-4542-996F-B3B0EFB7A01C}"/>
-    <dgm:cxn modelId="{BC09F72B-3998-4454-B4F9-CF0A142444AB}" type="presOf" srcId="{CF78DF7B-4574-48F1-9273-9B09ADDCB154}" destId="{4179658F-6546-4129-A631-78D6602F6890}" srcOrd="0" destOrd="0" presId="urn:microsoft.com/office/officeart/2008/layout/PictureStrips"/>
-    <dgm:cxn modelId="{7823F72F-BA57-467A-9AB0-84311C8D0ED2}" type="presOf" srcId="{B9FC3B94-420F-4EF4-951F-573D7F8A7A5E}" destId="{7D1F1570-1254-4B82-91F6-A3836F60450E}" srcOrd="0" destOrd="0" presId="urn:microsoft.com/office/officeart/2008/layout/PictureStrips"/>
-    <dgm:cxn modelId="{C3BC4944-FCCD-49C1-8A36-F5950319EDC3}" type="presOf" srcId="{3FAE1285-EC7D-46BF-9F73-A7AE0CDDDE34}" destId="{3883E5B6-25D9-4DB6-B091-E753AA5F2589}" srcOrd="0" destOrd="0" presId="urn:microsoft.com/office/officeart/2008/layout/PictureStrips"/>
-    <dgm:cxn modelId="{15155164-9309-4121-A82B-92487E5537DD}" srcId="{A5E0C8ED-9BD9-4604-81BC-C2DF4B75C9B9}" destId="{B9FC3B94-420F-4EF4-951F-573D7F8A7A5E}" srcOrd="3" destOrd="0" parTransId="{5D4F7BDC-AA41-493D-B913-92E36B230ED3}" sibTransId="{98BA742A-0751-488B-81CF-4A2D850A052B}"/>
-    <dgm:cxn modelId="{C27BEA6E-1BEF-4795-B0E2-0CD2AED86846}" srcId="{A5E0C8ED-9BD9-4604-81BC-C2DF4B75C9B9}" destId="{3FAE1285-EC7D-46BF-9F73-A7AE0CDDDE34}" srcOrd="1" destOrd="0" parTransId="{D65E7C53-B4B0-44E0-9779-D3A1C1E064B2}" sibTransId="{B6C21873-26E0-41EF-BD50-06C3E3F3A2D2}"/>
-    <dgm:cxn modelId="{BEE50E7F-B8F3-4D47-8037-6B182BA35728}" type="presOf" srcId="{E4105B64-E845-4B03-A228-509966182EC7}" destId="{863EBD93-9A8F-4525-99FD-5C59A26A1833}" srcOrd="0" destOrd="0" presId="urn:microsoft.com/office/officeart/2008/layout/PictureStrips"/>
     <dgm:cxn modelId="{69A2298C-6013-499D-9CF5-F5C5B6BE57FF}" srcId="{A5E0C8ED-9BD9-4604-81BC-C2DF4B75C9B9}" destId="{E4105B64-E845-4B03-A228-509966182EC7}" srcOrd="4" destOrd="0" parTransId="{7C3BFCCE-4808-42F3-8565-044C21B96D2B}" sibTransId="{68E54788-E340-48CE-8BCC-B55A30E86F03}"/>
-    <dgm:cxn modelId="{D40C5FA3-B1E4-4550-8AB3-AD0A32048F3F}" type="presOf" srcId="{A5E0C8ED-9BD9-4604-81BC-C2DF4B75C9B9}" destId="{A9B15E4E-F7E3-4A5B-B45C-35FDB100D939}" srcOrd="0" destOrd="0" presId="urn:microsoft.com/office/officeart/2008/layout/PictureStrips"/>
-    <dgm:cxn modelId="{9857F2CD-D4C8-4E19-9968-B33C9197C653}" srcId="{A5E0C8ED-9BD9-4604-81BC-C2DF4B75C9B9}" destId="{99A1CC7E-C0CC-455B-9366-703E81BEF337}" srcOrd="2" destOrd="0" parTransId="{57694F8C-6334-4EE8-A4C0-614201065664}" sibTransId="{B8AF11FC-1056-469D-9127-2A9F02663A04}"/>
-    <dgm:cxn modelId="{E30554D6-7306-4C8E-9B58-CCD879DAD96D}" type="presOf" srcId="{99A1CC7E-C0CC-455B-9366-703E81BEF337}" destId="{5D555DC9-032D-4486-B491-E1D11B022524}" srcOrd="0" destOrd="0" presId="urn:microsoft.com/office/officeart/2008/layout/PictureStrips"/>
     <dgm:cxn modelId="{9893CB41-1CAB-4FD1-96D0-895F2B2B00AE}" type="presParOf" srcId="{A9B15E4E-F7E3-4A5B-B45C-35FDB100D939}" destId="{ACA3A40B-9C65-4253-82E0-B630DAA4DC1B}" srcOrd="0" destOrd="0" presId="urn:microsoft.com/office/officeart/2008/layout/PictureStrips"/>
     <dgm:cxn modelId="{5145B446-F235-481B-9492-C4CC873E90C7}" type="presParOf" srcId="{ACA3A40B-9C65-4253-82E0-B630DAA4DC1B}" destId="{4179658F-6546-4129-A631-78D6602F6890}" srcOrd="0" destOrd="0" presId="urn:microsoft.com/office/officeart/2008/layout/PictureStrips"/>
     <dgm:cxn modelId="{422CF7B8-14C6-4F24-8A1B-F35CC9EFA4BE}" type="presParOf" srcId="{ACA3A40B-9C65-4253-82E0-B630DAA4DC1B}" destId="{DDEE63D0-9C2C-4F89-82AB-AFEA3FFC0731}" srcOrd="1" destOrd="0" presId="urn:microsoft.com/office/officeart/2008/layout/PictureStrips"/>
@@ -7343,6 +7497,13 @@
         </dgm:presLayoutVars>
       </dgm:prSet>
       <dgm:spPr/>
+      <dgm:t>
+        <a:bodyPr/>
+        <a:lstStyle/>
+        <a:p>
+          <a:endParaRPr lang="es-ES"/>
+        </a:p>
+      </dgm:t>
     </dgm:pt>
     <dgm:pt modelId="{E5212E8D-825D-426C-A351-0F2E71138B67}" type="pres">
       <dgm:prSet presAssocID="{C81CA61B-526B-4B23-945F-081E470D38BA}" presName="composite" presStyleCnt="0"/>
@@ -7355,6 +7516,13 @@
         </dgm:presLayoutVars>
       </dgm:prSet>
       <dgm:spPr/>
+      <dgm:t>
+        <a:bodyPr/>
+        <a:lstStyle/>
+        <a:p>
+          <a:endParaRPr lang="es-ES"/>
+        </a:p>
+      </dgm:t>
     </dgm:pt>
     <dgm:pt modelId="{DE49E785-BCDB-4DD8-A03F-2B8D81A267EA}" type="pres">
       <dgm:prSet presAssocID="{C81CA61B-526B-4B23-945F-081E470D38BA}" presName="rect2" presStyleLbl="fgImgPlace1" presStyleIdx="0" presStyleCnt="5"/>
@@ -7382,6 +7550,13 @@
         </dgm:presLayoutVars>
       </dgm:prSet>
       <dgm:spPr/>
+      <dgm:t>
+        <a:bodyPr/>
+        <a:lstStyle/>
+        <a:p>
+          <a:endParaRPr lang="es-ES"/>
+        </a:p>
+      </dgm:t>
     </dgm:pt>
     <dgm:pt modelId="{E48FD84D-ED99-4656-8C44-F502C41E2A67}" type="pres">
       <dgm:prSet presAssocID="{B40BCC51-3BF2-4AFB-9BD8-7EDD5591FC08}" presName="rect2" presStyleLbl="fgImgPlace1" presStyleIdx="1" presStyleCnt="5"/>
@@ -7409,6 +7584,13 @@
         </dgm:presLayoutVars>
       </dgm:prSet>
       <dgm:spPr/>
+      <dgm:t>
+        <a:bodyPr/>
+        <a:lstStyle/>
+        <a:p>
+          <a:endParaRPr lang="es-ES"/>
+        </a:p>
+      </dgm:t>
     </dgm:pt>
     <dgm:pt modelId="{2FB26748-5B3E-450C-8034-45494F66E744}" type="pres">
       <dgm:prSet presAssocID="{1AE3B827-6424-46A4-AE87-19B6AE1D9BF5}" presName="rect2" presStyleLbl="fgImgPlace1" presStyleIdx="2" presStyleCnt="5"/>
@@ -7436,6 +7618,13 @@
         </dgm:presLayoutVars>
       </dgm:prSet>
       <dgm:spPr/>
+      <dgm:t>
+        <a:bodyPr/>
+        <a:lstStyle/>
+        <a:p>
+          <a:endParaRPr lang="es-ES"/>
+        </a:p>
+      </dgm:t>
     </dgm:pt>
     <dgm:pt modelId="{C8C282A1-9036-41B4-A637-E18FA551A906}" type="pres">
       <dgm:prSet presAssocID="{A5DA3780-2A89-4CCD-8E1B-6825A8249A95}" presName="rect2" presStyleLbl="fgImgPlace1" presStyleIdx="3" presStyleCnt="5"/>
@@ -7463,6 +7652,13 @@
         </dgm:presLayoutVars>
       </dgm:prSet>
       <dgm:spPr/>
+      <dgm:t>
+        <a:bodyPr/>
+        <a:lstStyle/>
+        <a:p>
+          <a:endParaRPr lang="es-ES"/>
+        </a:p>
+      </dgm:t>
     </dgm:pt>
     <dgm:pt modelId="{ED230BB1-7493-4868-A55B-FE4E09E66971}" type="pres">
       <dgm:prSet presAssocID="{468C9839-62CE-418B-81FA-EECB773C0BAA}" presName="rect2" presStyleLbl="fgImgPlace1" presStyleIdx="4" presStyleCnt="5"/>
@@ -7477,17 +7673,17 @@
     </dgm:pt>
   </dgm:ptLst>
   <dgm:cxnLst>
+    <dgm:cxn modelId="{0B18B36C-1FFE-414D-B249-8805D11204E4}" srcId="{A5E0C8ED-9BD9-4604-81BC-C2DF4B75C9B9}" destId="{1AE3B827-6424-46A4-AE87-19B6AE1D9BF5}" srcOrd="2" destOrd="0" parTransId="{12AADE30-1B58-41BD-9778-5B8F75D5892A}" sibTransId="{1CD89D87-FE76-4CED-A172-DFC4375F3B62}"/>
+    <dgm:cxn modelId="{A095AF95-6479-49A5-9505-E11E868BBD28}" type="presOf" srcId="{C81CA61B-526B-4B23-945F-081E470D38BA}" destId="{EF344B42-E158-4BCF-8E5E-C45034407137}" srcOrd="0" destOrd="0" presId="urn:microsoft.com/office/officeart/2008/layout/PictureStrips"/>
+    <dgm:cxn modelId="{B48DF14D-C299-4127-B6DE-DB0B8772B9F1}" type="presOf" srcId="{1AE3B827-6424-46A4-AE87-19B6AE1D9BF5}" destId="{EEE7DC80-7DA0-4F06-AEB8-AC0E3172CD87}" srcOrd="0" destOrd="0" presId="urn:microsoft.com/office/officeart/2008/layout/PictureStrips"/>
+    <dgm:cxn modelId="{E0870F19-FF4C-4BCA-A4F4-4211460A9C6F}" type="presOf" srcId="{468C9839-62CE-418B-81FA-EECB773C0BAA}" destId="{4101C8EE-5C92-4014-BB4C-A27FB13EDFE6}" srcOrd="0" destOrd="0" presId="urn:microsoft.com/office/officeart/2008/layout/PictureStrips"/>
+    <dgm:cxn modelId="{1D5DA3F6-FE40-4235-87F6-9B4AF5BA1B5F}" srcId="{A5E0C8ED-9BD9-4604-81BC-C2DF4B75C9B9}" destId="{B40BCC51-3BF2-4AFB-9BD8-7EDD5591FC08}" srcOrd="1" destOrd="0" parTransId="{73F05C9C-FD2B-4E84-9EA8-88C2B4DD9390}" sibTransId="{34EEC345-BC03-4531-9FCB-DC93AB88AC97}"/>
+    <dgm:cxn modelId="{9EA8238F-0DE6-492C-AF9A-EC3F427A267F}" srcId="{A5E0C8ED-9BD9-4604-81BC-C2DF4B75C9B9}" destId="{468C9839-62CE-418B-81FA-EECB773C0BAA}" srcOrd="4" destOrd="0" parTransId="{6B4C1A39-8765-472C-9B3F-75795F577CAA}" sibTransId="{FC2F638F-50E8-4C6C-A0FA-049B48BC81CF}"/>
+    <dgm:cxn modelId="{D40C5FA3-B1E4-4550-8AB3-AD0A32048F3F}" type="presOf" srcId="{A5E0C8ED-9BD9-4604-81BC-C2DF4B75C9B9}" destId="{A9B15E4E-F7E3-4A5B-B45C-35FDB100D939}" srcOrd="0" destOrd="0" presId="urn:microsoft.com/office/officeart/2008/layout/PictureStrips"/>
+    <dgm:cxn modelId="{3FED561F-DCB8-4528-B542-BE4F57FFDE63}" srcId="{A5E0C8ED-9BD9-4604-81BC-C2DF4B75C9B9}" destId="{A5DA3780-2A89-4CCD-8E1B-6825A8249A95}" srcOrd="3" destOrd="0" parTransId="{12ED3EC3-7EE2-439C-930E-9DF01626CCA5}" sibTransId="{4FE0D220-59A8-4442-87ED-9C8462963496}"/>
     <dgm:cxn modelId="{536D6E14-7222-40F9-9556-F04156EF4FF1}" type="presOf" srcId="{A5DA3780-2A89-4CCD-8E1B-6825A8249A95}" destId="{078C7D32-9C34-43D3-8D22-91CCA55CDE3C}" srcOrd="0" destOrd="0" presId="urn:microsoft.com/office/officeart/2008/layout/PictureStrips"/>
-    <dgm:cxn modelId="{E0870F19-FF4C-4BCA-A4F4-4211460A9C6F}" type="presOf" srcId="{468C9839-62CE-418B-81FA-EECB773C0BAA}" destId="{4101C8EE-5C92-4014-BB4C-A27FB13EDFE6}" srcOrd="0" destOrd="0" presId="urn:microsoft.com/office/officeart/2008/layout/PictureStrips"/>
-    <dgm:cxn modelId="{3FED561F-DCB8-4528-B542-BE4F57FFDE63}" srcId="{A5E0C8ED-9BD9-4604-81BC-C2DF4B75C9B9}" destId="{A5DA3780-2A89-4CCD-8E1B-6825A8249A95}" srcOrd="3" destOrd="0" parTransId="{12ED3EC3-7EE2-439C-930E-9DF01626CCA5}" sibTransId="{4FE0D220-59A8-4442-87ED-9C8462963496}"/>
-    <dgm:cxn modelId="{0B18B36C-1FFE-414D-B249-8805D11204E4}" srcId="{A5E0C8ED-9BD9-4604-81BC-C2DF4B75C9B9}" destId="{1AE3B827-6424-46A4-AE87-19B6AE1D9BF5}" srcOrd="2" destOrd="0" parTransId="{12AADE30-1B58-41BD-9778-5B8F75D5892A}" sibTransId="{1CD89D87-FE76-4CED-A172-DFC4375F3B62}"/>
-    <dgm:cxn modelId="{B48DF14D-C299-4127-B6DE-DB0B8772B9F1}" type="presOf" srcId="{1AE3B827-6424-46A4-AE87-19B6AE1D9BF5}" destId="{EEE7DC80-7DA0-4F06-AEB8-AC0E3172CD87}" srcOrd="0" destOrd="0" presId="urn:microsoft.com/office/officeart/2008/layout/PictureStrips"/>
     <dgm:cxn modelId="{11041252-51A9-4F82-AA1A-83E02FFE4129}" type="presOf" srcId="{B40BCC51-3BF2-4AFB-9BD8-7EDD5591FC08}" destId="{C0F5A962-1135-46F2-83B0-C2A01413BB87}" srcOrd="0" destOrd="0" presId="urn:microsoft.com/office/officeart/2008/layout/PictureStrips"/>
-    <dgm:cxn modelId="{9EA8238F-0DE6-492C-AF9A-EC3F427A267F}" srcId="{A5E0C8ED-9BD9-4604-81BC-C2DF4B75C9B9}" destId="{468C9839-62CE-418B-81FA-EECB773C0BAA}" srcOrd="4" destOrd="0" parTransId="{6B4C1A39-8765-472C-9B3F-75795F577CAA}" sibTransId="{FC2F638F-50E8-4C6C-A0FA-049B48BC81CF}"/>
-    <dgm:cxn modelId="{A095AF95-6479-49A5-9505-E11E868BBD28}" type="presOf" srcId="{C81CA61B-526B-4B23-945F-081E470D38BA}" destId="{EF344B42-E158-4BCF-8E5E-C45034407137}" srcOrd="0" destOrd="0" presId="urn:microsoft.com/office/officeart/2008/layout/PictureStrips"/>
     <dgm:cxn modelId="{93AC769C-0B20-4EF0-ABC8-BA9B90808C22}" srcId="{A5E0C8ED-9BD9-4604-81BC-C2DF4B75C9B9}" destId="{C81CA61B-526B-4B23-945F-081E470D38BA}" srcOrd="0" destOrd="0" parTransId="{BB1B6F4C-6547-4E4E-B2B9-497BACB58607}" sibTransId="{42598987-871F-4D2C-AD30-82B3E4487346}"/>
-    <dgm:cxn modelId="{D40C5FA3-B1E4-4550-8AB3-AD0A32048F3F}" type="presOf" srcId="{A5E0C8ED-9BD9-4604-81BC-C2DF4B75C9B9}" destId="{A9B15E4E-F7E3-4A5B-B45C-35FDB100D939}" srcOrd="0" destOrd="0" presId="urn:microsoft.com/office/officeart/2008/layout/PictureStrips"/>
-    <dgm:cxn modelId="{1D5DA3F6-FE40-4235-87F6-9B4AF5BA1B5F}" srcId="{A5E0C8ED-9BD9-4604-81BC-C2DF4B75C9B9}" destId="{B40BCC51-3BF2-4AFB-9BD8-7EDD5591FC08}" srcOrd="1" destOrd="0" parTransId="{73F05C9C-FD2B-4E84-9EA8-88C2B4DD9390}" sibTransId="{34EEC345-BC03-4531-9FCB-DC93AB88AC97}"/>
     <dgm:cxn modelId="{3EB097D7-7B7B-424F-8864-51B118612EF7}" type="presParOf" srcId="{A9B15E4E-F7E3-4A5B-B45C-35FDB100D939}" destId="{E5212E8D-825D-426C-A351-0F2E71138B67}" srcOrd="0" destOrd="0" presId="urn:microsoft.com/office/officeart/2008/layout/PictureStrips"/>
     <dgm:cxn modelId="{289FA43C-DE7B-4635-BA30-1EFECE9CBAE5}" type="presParOf" srcId="{E5212E8D-825D-426C-A351-0F2E71138B67}" destId="{EF344B42-E158-4BCF-8E5E-C45034407137}" srcOrd="0" destOrd="0" presId="urn:microsoft.com/office/officeart/2008/layout/PictureStrips"/>
     <dgm:cxn modelId="{23DDD809-B5B6-4A57-811B-D88FA862647D}" type="presParOf" srcId="{E5212E8D-825D-426C-A351-0F2E71138B67}" destId="{DE49E785-BCDB-4DD8-A03F-2B8D81A267EA}" srcOrd="1" destOrd="0" presId="urn:microsoft.com/office/officeart/2008/layout/PictureStrips"/>
@@ -7753,6 +7949,13 @@
         </dgm:presLayoutVars>
       </dgm:prSet>
       <dgm:spPr/>
+      <dgm:t>
+        <a:bodyPr/>
+        <a:lstStyle/>
+        <a:p>
+          <a:endParaRPr lang="es-ES"/>
+        </a:p>
+      </dgm:t>
     </dgm:pt>
     <dgm:pt modelId="{637C07CE-8429-400B-AE1F-91A242DE167D}" type="pres">
       <dgm:prSet presAssocID="{998CAD62-9736-4264-A97E-5E081AC0ACFD}" presName="invisiNode" presStyleLbl="node1" presStyleIdx="0" presStyleCnt="3"/>
@@ -7772,6 +7975,13 @@
     <dgm:pt modelId="{2A3EC1A0-8509-436B-BB7D-96AFE37519CD}" type="pres">
       <dgm:prSet presAssocID="{3AE0657F-41E8-4C39-A2D6-D8028529778F}" presName="sibTrans" presStyleLbl="sibTrans2D1" presStyleIdx="0" presStyleCnt="0"/>
       <dgm:spPr/>
+      <dgm:t>
+        <a:bodyPr/>
+        <a:lstStyle/>
+        <a:p>
+          <a:endParaRPr lang="es-ES"/>
+        </a:p>
+      </dgm:t>
     </dgm:pt>
     <dgm:pt modelId="{B4F1FA4A-A3C5-471B-B983-29FA4A7D9E03}" type="pres">
       <dgm:prSet presAssocID="{5335F38E-2B91-4ECE-AABE-8F558A97C344}" presName="compNode" presStyleCnt="0"/>
@@ -7784,6 +7994,13 @@
         </dgm:presLayoutVars>
       </dgm:prSet>
       <dgm:spPr/>
+      <dgm:t>
+        <a:bodyPr/>
+        <a:lstStyle/>
+        <a:p>
+          <a:endParaRPr lang="es-ES"/>
+        </a:p>
+      </dgm:t>
     </dgm:pt>
     <dgm:pt modelId="{FAC55A2A-E945-4DDF-8003-6ECF8AFC3718}" type="pres">
       <dgm:prSet presAssocID="{5335F38E-2B91-4ECE-AABE-8F558A97C344}" presName="invisiNode" presStyleLbl="node1" presStyleIdx="1" presStyleCnt="3"/>
@@ -7803,6 +8020,13 @@
     <dgm:pt modelId="{57299B32-F6F0-4F23-9ED1-B7E11C7BB998}" type="pres">
       <dgm:prSet presAssocID="{4DFA4FF8-387E-4194-9AD5-8EC772656D42}" presName="sibTrans" presStyleLbl="sibTrans2D1" presStyleIdx="0" presStyleCnt="0"/>
       <dgm:spPr/>
+      <dgm:t>
+        <a:bodyPr/>
+        <a:lstStyle/>
+        <a:p>
+          <a:endParaRPr lang="es-ES"/>
+        </a:p>
+      </dgm:t>
     </dgm:pt>
     <dgm:pt modelId="{2D57CF5F-E093-45E1-BC3E-48BCFB77BEE8}" type="pres">
       <dgm:prSet presAssocID="{7EC04CA6-318C-46F3-BCED-4450116F7D7C}" presName="compNode" presStyleCnt="0"/>
@@ -7815,6 +8039,13 @@
         </dgm:presLayoutVars>
       </dgm:prSet>
       <dgm:spPr/>
+      <dgm:t>
+        <a:bodyPr/>
+        <a:lstStyle/>
+        <a:p>
+          <a:endParaRPr lang="es-ES"/>
+        </a:p>
+      </dgm:t>
     </dgm:pt>
     <dgm:pt modelId="{D53362EC-53F3-463F-B816-68B5D6426DFD}" type="pres">
       <dgm:prSet presAssocID="{7EC04CA6-318C-46F3-BCED-4450116F7D7C}" presName="invisiNode" presStyleLbl="node1" presStyleIdx="2" presStyleCnt="3"/>
@@ -7833,15 +8064,15 @@
     </dgm:pt>
   </dgm:ptLst>
   <dgm:cxnLst>
+    <dgm:cxn modelId="{70543BCD-E46F-428F-99F1-CE27FCDB9AC5}" srcId="{9F4F21DB-4D02-4713-81A3-80247AD772D6}" destId="{998CAD62-9736-4264-A97E-5E081AC0ACFD}" srcOrd="0" destOrd="0" parTransId="{223B5C8F-F116-4704-8019-81FA4C5277A1}" sibTransId="{3AE0657F-41E8-4C39-A2D6-D8028529778F}"/>
+    <dgm:cxn modelId="{FF6145D1-FFFC-4133-9DEB-2686DE78C340}" type="presOf" srcId="{7EC04CA6-318C-46F3-BCED-4450116F7D7C}" destId="{8C3BCAF5-43EB-4147-993B-7441B7B75ADC}" srcOrd="0" destOrd="0" presId="urn:microsoft.com/office/officeart/2005/8/layout/pList2"/>
+    <dgm:cxn modelId="{36952CC1-6953-400C-86A9-E02E61A41CD8}" type="presOf" srcId="{9F4F21DB-4D02-4713-81A3-80247AD772D6}" destId="{8A676D47-76AE-4C2A-8E49-A33097AAC50D}" srcOrd="0" destOrd="0" presId="urn:microsoft.com/office/officeart/2005/8/layout/pList2"/>
+    <dgm:cxn modelId="{C7395D11-C305-4963-9B59-304B7BD64E8C}" type="presOf" srcId="{998CAD62-9736-4264-A97E-5E081AC0ACFD}" destId="{F48EA923-2CFA-4230-AD91-6291907D7AAC}" srcOrd="0" destOrd="0" presId="urn:microsoft.com/office/officeart/2005/8/layout/pList2"/>
+    <dgm:cxn modelId="{D4CCE873-B3A5-45CD-B336-80632078D6B9}" type="presOf" srcId="{4DFA4FF8-387E-4194-9AD5-8EC772656D42}" destId="{57299B32-F6F0-4F23-9ED1-B7E11C7BB998}" srcOrd="0" destOrd="0" presId="urn:microsoft.com/office/officeart/2005/8/layout/pList2"/>
+    <dgm:cxn modelId="{65168BC7-447A-4FC8-B4A4-BDEEC6F85148}" srcId="{9F4F21DB-4D02-4713-81A3-80247AD772D6}" destId="{5335F38E-2B91-4ECE-AABE-8F558A97C344}" srcOrd="1" destOrd="0" parTransId="{81B50B56-6D21-492B-9BF9-0E64A1F97CDE}" sibTransId="{4DFA4FF8-387E-4194-9AD5-8EC772656D42}"/>
     <dgm:cxn modelId="{480C8C0E-CB89-4DCA-9951-159DCDF5E23A}" type="presOf" srcId="{3AE0657F-41E8-4C39-A2D6-D8028529778F}" destId="{2A3EC1A0-8509-436B-BB7D-96AFE37519CD}" srcOrd="0" destOrd="0" presId="urn:microsoft.com/office/officeart/2005/8/layout/pList2"/>
-    <dgm:cxn modelId="{C7395D11-C305-4963-9B59-304B7BD64E8C}" type="presOf" srcId="{998CAD62-9736-4264-A97E-5E081AC0ACFD}" destId="{F48EA923-2CFA-4230-AD91-6291907D7AAC}" srcOrd="0" destOrd="0" presId="urn:microsoft.com/office/officeart/2005/8/layout/pList2"/>
     <dgm:cxn modelId="{E797342E-1444-4719-A923-251DD5243859}" srcId="{9F4F21DB-4D02-4713-81A3-80247AD772D6}" destId="{7EC04CA6-318C-46F3-BCED-4450116F7D7C}" srcOrd="2" destOrd="0" parTransId="{0E0ACD32-3892-4AD4-AFB2-01DD240D5E00}" sibTransId="{4374A5BB-A814-4B19-A079-344E6EA81C9B}"/>
     <dgm:cxn modelId="{213ECE53-FF54-426E-9C9A-FE3051A2443C}" type="presOf" srcId="{5335F38E-2B91-4ECE-AABE-8F558A97C344}" destId="{609025FF-B47B-43C0-926C-3E290F3869B1}" srcOrd="0" destOrd="0" presId="urn:microsoft.com/office/officeart/2005/8/layout/pList2"/>
-    <dgm:cxn modelId="{D4CCE873-B3A5-45CD-B336-80632078D6B9}" type="presOf" srcId="{4DFA4FF8-387E-4194-9AD5-8EC772656D42}" destId="{57299B32-F6F0-4F23-9ED1-B7E11C7BB998}" srcOrd="0" destOrd="0" presId="urn:microsoft.com/office/officeart/2005/8/layout/pList2"/>
-    <dgm:cxn modelId="{36952CC1-6953-400C-86A9-E02E61A41CD8}" type="presOf" srcId="{9F4F21DB-4D02-4713-81A3-80247AD772D6}" destId="{8A676D47-76AE-4C2A-8E49-A33097AAC50D}" srcOrd="0" destOrd="0" presId="urn:microsoft.com/office/officeart/2005/8/layout/pList2"/>
-    <dgm:cxn modelId="{65168BC7-447A-4FC8-B4A4-BDEEC6F85148}" srcId="{9F4F21DB-4D02-4713-81A3-80247AD772D6}" destId="{5335F38E-2B91-4ECE-AABE-8F558A97C344}" srcOrd="1" destOrd="0" parTransId="{81B50B56-6D21-492B-9BF9-0E64A1F97CDE}" sibTransId="{4DFA4FF8-387E-4194-9AD5-8EC772656D42}"/>
-    <dgm:cxn modelId="{70543BCD-E46F-428F-99F1-CE27FCDB9AC5}" srcId="{9F4F21DB-4D02-4713-81A3-80247AD772D6}" destId="{998CAD62-9736-4264-A97E-5E081AC0ACFD}" srcOrd="0" destOrd="0" parTransId="{223B5C8F-F116-4704-8019-81FA4C5277A1}" sibTransId="{3AE0657F-41E8-4C39-A2D6-D8028529778F}"/>
-    <dgm:cxn modelId="{FF6145D1-FFFC-4133-9DEB-2686DE78C340}" type="presOf" srcId="{7EC04CA6-318C-46F3-BCED-4450116F7D7C}" destId="{8C3BCAF5-43EB-4147-993B-7441B7B75ADC}" srcOrd="0" destOrd="0" presId="urn:microsoft.com/office/officeart/2005/8/layout/pList2"/>
     <dgm:cxn modelId="{C3F42293-B7F2-4FF9-BF14-3207EC388C73}" type="presParOf" srcId="{8A676D47-76AE-4C2A-8E49-A33097AAC50D}" destId="{EC9DED14-6D53-4B84-948B-F2FE3237BF35}" srcOrd="0" destOrd="0" presId="urn:microsoft.com/office/officeart/2005/8/layout/pList2"/>
     <dgm:cxn modelId="{CFB46545-B509-42A8-A8AA-6F939C7A55BB}" type="presParOf" srcId="{8A676D47-76AE-4C2A-8E49-A33097AAC50D}" destId="{309CA8B0-12C0-4A44-B10A-D6D705A21196}" srcOrd="1" destOrd="0" presId="urn:microsoft.com/office/officeart/2005/8/layout/pList2"/>
     <dgm:cxn modelId="{F6701EB7-740B-455D-AD4F-62962E6D346F}" type="presParOf" srcId="{309CA8B0-12C0-4A44-B10A-D6D705A21196}" destId="{2CA018D6-72C4-4BB6-8018-75F5C44F1376}" srcOrd="0" destOrd="0" presId="urn:microsoft.com/office/officeart/2005/8/layout/pList2"/>
@@ -8160,6 +8391,13 @@
         </dgm:presLayoutVars>
       </dgm:prSet>
       <dgm:spPr/>
+      <dgm:t>
+        <a:bodyPr/>
+        <a:lstStyle/>
+        <a:p>
+          <a:endParaRPr lang="es-ES"/>
+        </a:p>
+      </dgm:t>
     </dgm:pt>
     <dgm:pt modelId="{A72966F0-AA26-4BD3-9DC7-184E5A9D2432}" type="pres">
       <dgm:prSet presAssocID="{7F267C77-911D-471C-B0C4-DB6253B64262}" presName="parentLin" presStyleCnt="0"/>
@@ -8168,6 +8406,13 @@
     <dgm:pt modelId="{D2DEDED3-23F8-48BC-93EA-E09423A702B3}" type="pres">
       <dgm:prSet presAssocID="{7F267C77-911D-471C-B0C4-DB6253B64262}" presName="parentLeftMargin" presStyleLbl="node1" presStyleIdx="0" presStyleCnt="3"/>
       <dgm:spPr/>
+      <dgm:t>
+        <a:bodyPr/>
+        <a:lstStyle/>
+        <a:p>
+          <a:endParaRPr lang="es-ES"/>
+        </a:p>
+      </dgm:t>
     </dgm:pt>
     <dgm:pt modelId="{E8BAC236-111D-43EF-A507-01206ABCBEEF}" type="pres">
       <dgm:prSet presAssocID="{7F267C77-911D-471C-B0C4-DB6253B64262}" presName="parentText" presStyleLbl="node1" presStyleIdx="0" presStyleCnt="3">
@@ -8177,6 +8422,13 @@
         </dgm:presLayoutVars>
       </dgm:prSet>
       <dgm:spPr/>
+      <dgm:t>
+        <a:bodyPr/>
+        <a:lstStyle/>
+        <a:p>
+          <a:endParaRPr lang="es-ES"/>
+        </a:p>
+      </dgm:t>
     </dgm:pt>
     <dgm:pt modelId="{257780F3-EFC1-4B8E-863C-0D0CAD9C3F51}" type="pres">
       <dgm:prSet presAssocID="{7F267C77-911D-471C-B0C4-DB6253B64262}" presName="negativeSpace" presStyleCnt="0"/>
@@ -8189,6 +8441,13 @@
         </dgm:presLayoutVars>
       </dgm:prSet>
       <dgm:spPr/>
+      <dgm:t>
+        <a:bodyPr/>
+        <a:lstStyle/>
+        <a:p>
+          <a:endParaRPr lang="es-ES"/>
+        </a:p>
+      </dgm:t>
     </dgm:pt>
     <dgm:pt modelId="{14EC4D90-1141-46C0-84A6-BAD3C996215D}" type="pres">
       <dgm:prSet presAssocID="{A380646B-07E4-406B-9B57-0C586A8CFC6D}" presName="spaceBetweenRectangles" presStyleCnt="0"/>
@@ -8201,6 +8460,13 @@
     <dgm:pt modelId="{2A7EC0B9-BBEC-4B84-9C6E-D074B0E12702}" type="pres">
       <dgm:prSet presAssocID="{0378178F-AA49-401C-BF8C-3AEEC589E43F}" presName="parentLeftMargin" presStyleLbl="node1" presStyleIdx="0" presStyleCnt="3"/>
       <dgm:spPr/>
+      <dgm:t>
+        <a:bodyPr/>
+        <a:lstStyle/>
+        <a:p>
+          <a:endParaRPr lang="es-ES"/>
+        </a:p>
+      </dgm:t>
     </dgm:pt>
     <dgm:pt modelId="{F2F5452C-A7D5-4A87-A528-3899C791E020}" type="pres">
       <dgm:prSet presAssocID="{0378178F-AA49-401C-BF8C-3AEEC589E43F}" presName="parentText" presStyleLbl="node1" presStyleIdx="1" presStyleCnt="3">
@@ -8210,6 +8476,13 @@
         </dgm:presLayoutVars>
       </dgm:prSet>
       <dgm:spPr/>
+      <dgm:t>
+        <a:bodyPr/>
+        <a:lstStyle/>
+        <a:p>
+          <a:endParaRPr lang="es-ES"/>
+        </a:p>
+      </dgm:t>
     </dgm:pt>
     <dgm:pt modelId="{D2C81BD9-4314-4336-A702-2DEDAF94A699}" type="pres">
       <dgm:prSet presAssocID="{0378178F-AA49-401C-BF8C-3AEEC589E43F}" presName="negativeSpace" presStyleCnt="0"/>
@@ -8222,6 +8495,13 @@
         </dgm:presLayoutVars>
       </dgm:prSet>
       <dgm:spPr/>
+      <dgm:t>
+        <a:bodyPr/>
+        <a:lstStyle/>
+        <a:p>
+          <a:endParaRPr lang="es-ES"/>
+        </a:p>
+      </dgm:t>
     </dgm:pt>
     <dgm:pt modelId="{D649F1BB-DB22-4C14-901F-FF9D57597CB9}" type="pres">
       <dgm:prSet presAssocID="{9EEEA165-A303-42FE-B952-3931BA4B6CFE}" presName="spaceBetweenRectangles" presStyleCnt="0"/>
@@ -8234,6 +8514,13 @@
     <dgm:pt modelId="{3D094B0C-D91D-429D-A9A2-2728D219AA68}" type="pres">
       <dgm:prSet presAssocID="{86F07DE0-CEB8-4AD8-89BF-4FBBAF728FE8}" presName="parentLeftMargin" presStyleLbl="node1" presStyleIdx="1" presStyleCnt="3"/>
       <dgm:spPr/>
+      <dgm:t>
+        <a:bodyPr/>
+        <a:lstStyle/>
+        <a:p>
+          <a:endParaRPr lang="es-ES"/>
+        </a:p>
+      </dgm:t>
     </dgm:pt>
     <dgm:pt modelId="{49C9D279-0318-4DBC-8963-D46E63A10C3C}" type="pres">
       <dgm:prSet presAssocID="{86F07DE0-CEB8-4AD8-89BF-4FBBAF728FE8}" presName="parentText" presStyleLbl="node1" presStyleIdx="2" presStyleCnt="3">
@@ -8243,6 +8530,13 @@
         </dgm:presLayoutVars>
       </dgm:prSet>
       <dgm:spPr/>
+      <dgm:t>
+        <a:bodyPr/>
+        <a:lstStyle/>
+        <a:p>
+          <a:endParaRPr lang="es-ES"/>
+        </a:p>
+      </dgm:t>
     </dgm:pt>
     <dgm:pt modelId="{6CB7D82C-B2DB-4DD5-ABDA-922649131FC8}" type="pres">
       <dgm:prSet presAssocID="{86F07DE0-CEB8-4AD8-89BF-4FBBAF728FE8}" presName="negativeSpace" presStyleCnt="0"/>
@@ -8255,25 +8549,32 @@
         </dgm:presLayoutVars>
       </dgm:prSet>
       <dgm:spPr/>
+      <dgm:t>
+        <a:bodyPr/>
+        <a:lstStyle/>
+        <a:p>
+          <a:endParaRPr lang="es-ES"/>
+        </a:p>
+      </dgm:t>
     </dgm:pt>
   </dgm:ptLst>
   <dgm:cxnLst>
-    <dgm:cxn modelId="{59D7BD60-38D5-459C-9F56-02900DAC0425}" type="presOf" srcId="{7F267C77-911D-471C-B0C4-DB6253B64262}" destId="{E8BAC236-111D-43EF-A507-01206ABCBEEF}" srcOrd="1" destOrd="0" presId="urn:microsoft.com/office/officeart/2005/8/layout/list1"/>
+    <dgm:cxn modelId="{2BF73DD1-8983-491C-9716-34C6256DDFB0}" type="presOf" srcId="{EB5F0952-4CC5-4A06-AA76-1B27D8744880}" destId="{D51C4E21-6DDE-4B0B-AEFF-23862BEC3F3E}" srcOrd="0" destOrd="0" presId="urn:microsoft.com/office/officeart/2005/8/layout/list1"/>
+    <dgm:cxn modelId="{CA1056B4-6430-43AF-8906-B8B39914AC76}" type="presOf" srcId="{E3922DF5-D9CB-44F0-A6E3-5624004CF79A}" destId="{8DCA84FF-573A-4371-994C-AEF758F8812F}" srcOrd="0" destOrd="0" presId="urn:microsoft.com/office/officeart/2005/8/layout/list1"/>
+    <dgm:cxn modelId="{23499CDB-54FC-4C72-8263-594794BA897C}" type="presOf" srcId="{7F267C77-911D-471C-B0C4-DB6253B64262}" destId="{D2DEDED3-23F8-48BC-93EA-E09423A702B3}" srcOrd="0" destOrd="0" presId="urn:microsoft.com/office/officeart/2005/8/layout/list1"/>
+    <dgm:cxn modelId="{4D8618B2-D652-489D-98EF-A3D1B2620CB8}" srcId="{E3922DF5-D9CB-44F0-A6E3-5624004CF79A}" destId="{7F267C77-911D-471C-B0C4-DB6253B64262}" srcOrd="0" destOrd="0" parTransId="{EFAB2914-8737-42DF-9607-8DE90F066003}" sibTransId="{A380646B-07E4-406B-9B57-0C586A8CFC6D}"/>
     <dgm:cxn modelId="{C9B99B48-AD6A-42E7-B763-09C091715C4F}" type="presOf" srcId="{BB981A7B-8DD1-40C8-8762-94E7EFEFBEB4}" destId="{C9AB1105-109C-4226-A5E8-57EC61E9815C}" srcOrd="0" destOrd="0" presId="urn:microsoft.com/office/officeart/2005/8/layout/list1"/>
+    <dgm:cxn modelId="{6C06D8D3-8BFB-48F9-9844-CE55EA5C23ED}" type="presOf" srcId="{86F07DE0-CEB8-4AD8-89BF-4FBBAF728FE8}" destId="{49C9D279-0318-4DBC-8963-D46E63A10C3C}" srcOrd="1" destOrd="0" presId="urn:microsoft.com/office/officeart/2005/8/layout/list1"/>
+    <dgm:cxn modelId="{A7EF42E5-6FFD-4490-B948-1EF76F39B4EA}" srcId="{7F267C77-911D-471C-B0C4-DB6253B64262}" destId="{BB981A7B-8DD1-40C8-8762-94E7EFEFBEB4}" srcOrd="0" destOrd="0" parTransId="{A496A938-3F8E-40D0-9A48-D5BBC98BDED4}" sibTransId="{2641A9B7-9CF1-400D-8E07-6C4C98CC5D66}"/>
+    <dgm:cxn modelId="{577DE0BE-A53D-44C5-9117-3A2456DAE56B}" type="presOf" srcId="{0378178F-AA49-401C-BF8C-3AEEC589E43F}" destId="{F2F5452C-A7D5-4A87-A528-3899C791E020}" srcOrd="1" destOrd="0" presId="urn:microsoft.com/office/officeart/2005/8/layout/list1"/>
+    <dgm:cxn modelId="{A7B4D5CA-ACFF-4F5C-8257-E14B4F86A783}" srcId="{E3922DF5-D9CB-44F0-A6E3-5624004CF79A}" destId="{86F07DE0-CEB8-4AD8-89BF-4FBBAF728FE8}" srcOrd="2" destOrd="0" parTransId="{6BE4F10B-55D1-481D-9092-44DB61E6B0A7}" sibTransId="{851B20FD-16C5-44FA-9A0B-AD2ABB05B2CE}"/>
+    <dgm:cxn modelId="{AB96ACBD-D70F-46D3-8A3B-5CEBCB988E48}" srcId="{0378178F-AA49-401C-BF8C-3AEEC589E43F}" destId="{EB5F0952-4CC5-4A06-AA76-1B27D8744880}" srcOrd="0" destOrd="0" parTransId="{8F823C03-472A-4A9A-B40C-3F4471FADA14}" sibTransId="{7075CF7C-FAC8-4BCF-97AB-A647EE59D66C}"/>
+    <dgm:cxn modelId="{871C27FD-E35F-4954-9525-EB45F2E80872}" srcId="{E3922DF5-D9CB-44F0-A6E3-5624004CF79A}" destId="{0378178F-AA49-401C-BF8C-3AEEC589E43F}" srcOrd="1" destOrd="0" parTransId="{96648946-5FB8-493A-8712-9756CDC9E19F}" sibTransId="{9EEEA165-A303-42FE-B952-3931BA4B6CFE}"/>
+    <dgm:cxn modelId="{EC40AFC8-044D-4084-A242-6065C7710745}" srcId="{86F07DE0-CEB8-4AD8-89BF-4FBBAF728FE8}" destId="{EF2EE926-9E24-4EAD-B2DD-699F3226362F}" srcOrd="0" destOrd="0" parTransId="{A2A8BF39-80ED-40DC-BCC7-7D0099EB3356}" sibTransId="{B77D5880-0379-4778-95F4-20440F72E03A}"/>
+    <dgm:cxn modelId="{503AA2CA-887D-4982-88B6-8A337646DC02}" type="presOf" srcId="{EF2EE926-9E24-4EAD-B2DD-699F3226362F}" destId="{3A309EE4-16E2-4736-A9B5-F8270F0305B8}" srcOrd="0" destOrd="0" presId="urn:microsoft.com/office/officeart/2005/8/layout/list1"/>
     <dgm:cxn modelId="{3D0E2595-8583-4350-9A5D-B58632D169B7}" type="presOf" srcId="{86F07DE0-CEB8-4AD8-89BF-4FBBAF728FE8}" destId="{3D094B0C-D91D-429D-A9A2-2728D219AA68}" srcOrd="0" destOrd="0" presId="urn:microsoft.com/office/officeart/2005/8/layout/list1"/>
     <dgm:cxn modelId="{63AEADB0-3189-4ACB-BB9A-8F00B66DAA2F}" type="presOf" srcId="{0378178F-AA49-401C-BF8C-3AEEC589E43F}" destId="{2A7EC0B9-BBEC-4B84-9C6E-D074B0E12702}" srcOrd="0" destOrd="0" presId="urn:microsoft.com/office/officeart/2005/8/layout/list1"/>
-    <dgm:cxn modelId="{4D8618B2-D652-489D-98EF-A3D1B2620CB8}" srcId="{E3922DF5-D9CB-44F0-A6E3-5624004CF79A}" destId="{7F267C77-911D-471C-B0C4-DB6253B64262}" srcOrd="0" destOrd="0" parTransId="{EFAB2914-8737-42DF-9607-8DE90F066003}" sibTransId="{A380646B-07E4-406B-9B57-0C586A8CFC6D}"/>
-    <dgm:cxn modelId="{CA1056B4-6430-43AF-8906-B8B39914AC76}" type="presOf" srcId="{E3922DF5-D9CB-44F0-A6E3-5624004CF79A}" destId="{8DCA84FF-573A-4371-994C-AEF758F8812F}" srcOrd="0" destOrd="0" presId="urn:microsoft.com/office/officeart/2005/8/layout/list1"/>
-    <dgm:cxn modelId="{AB96ACBD-D70F-46D3-8A3B-5CEBCB988E48}" srcId="{0378178F-AA49-401C-BF8C-3AEEC589E43F}" destId="{EB5F0952-4CC5-4A06-AA76-1B27D8744880}" srcOrd="0" destOrd="0" parTransId="{8F823C03-472A-4A9A-B40C-3F4471FADA14}" sibTransId="{7075CF7C-FAC8-4BCF-97AB-A647EE59D66C}"/>
-    <dgm:cxn modelId="{577DE0BE-A53D-44C5-9117-3A2456DAE56B}" type="presOf" srcId="{0378178F-AA49-401C-BF8C-3AEEC589E43F}" destId="{F2F5452C-A7D5-4A87-A528-3899C791E020}" srcOrd="1" destOrd="0" presId="urn:microsoft.com/office/officeart/2005/8/layout/list1"/>
-    <dgm:cxn modelId="{EC40AFC8-044D-4084-A242-6065C7710745}" srcId="{86F07DE0-CEB8-4AD8-89BF-4FBBAF728FE8}" destId="{EF2EE926-9E24-4EAD-B2DD-699F3226362F}" srcOrd="0" destOrd="0" parTransId="{A2A8BF39-80ED-40DC-BCC7-7D0099EB3356}" sibTransId="{B77D5880-0379-4778-95F4-20440F72E03A}"/>
-    <dgm:cxn modelId="{503AA2CA-887D-4982-88B6-8A337646DC02}" type="presOf" srcId="{EF2EE926-9E24-4EAD-B2DD-699F3226362F}" destId="{3A309EE4-16E2-4736-A9B5-F8270F0305B8}" srcOrd="0" destOrd="0" presId="urn:microsoft.com/office/officeart/2005/8/layout/list1"/>
-    <dgm:cxn modelId="{A7B4D5CA-ACFF-4F5C-8257-E14B4F86A783}" srcId="{E3922DF5-D9CB-44F0-A6E3-5624004CF79A}" destId="{86F07DE0-CEB8-4AD8-89BF-4FBBAF728FE8}" srcOrd="2" destOrd="0" parTransId="{6BE4F10B-55D1-481D-9092-44DB61E6B0A7}" sibTransId="{851B20FD-16C5-44FA-9A0B-AD2ABB05B2CE}"/>
-    <dgm:cxn modelId="{2BF73DD1-8983-491C-9716-34C6256DDFB0}" type="presOf" srcId="{EB5F0952-4CC5-4A06-AA76-1B27D8744880}" destId="{D51C4E21-6DDE-4B0B-AEFF-23862BEC3F3E}" srcOrd="0" destOrd="0" presId="urn:microsoft.com/office/officeart/2005/8/layout/list1"/>
-    <dgm:cxn modelId="{6C06D8D3-8BFB-48F9-9844-CE55EA5C23ED}" type="presOf" srcId="{86F07DE0-CEB8-4AD8-89BF-4FBBAF728FE8}" destId="{49C9D279-0318-4DBC-8963-D46E63A10C3C}" srcOrd="1" destOrd="0" presId="urn:microsoft.com/office/officeart/2005/8/layout/list1"/>
-    <dgm:cxn modelId="{23499CDB-54FC-4C72-8263-594794BA897C}" type="presOf" srcId="{7F267C77-911D-471C-B0C4-DB6253B64262}" destId="{D2DEDED3-23F8-48BC-93EA-E09423A702B3}" srcOrd="0" destOrd="0" presId="urn:microsoft.com/office/officeart/2005/8/layout/list1"/>
-    <dgm:cxn modelId="{A7EF42E5-6FFD-4490-B948-1EF76F39B4EA}" srcId="{7F267C77-911D-471C-B0C4-DB6253B64262}" destId="{BB981A7B-8DD1-40C8-8762-94E7EFEFBEB4}" srcOrd="0" destOrd="0" parTransId="{A496A938-3F8E-40D0-9A48-D5BBC98BDED4}" sibTransId="{2641A9B7-9CF1-400D-8E07-6C4C98CC5D66}"/>
-    <dgm:cxn modelId="{871C27FD-E35F-4954-9525-EB45F2E80872}" srcId="{E3922DF5-D9CB-44F0-A6E3-5624004CF79A}" destId="{0378178F-AA49-401C-BF8C-3AEEC589E43F}" srcOrd="1" destOrd="0" parTransId="{96648946-5FB8-493A-8712-9756CDC9E19F}" sibTransId="{9EEEA165-A303-42FE-B952-3931BA4B6CFE}"/>
+    <dgm:cxn modelId="{59D7BD60-38D5-459C-9F56-02900DAC0425}" type="presOf" srcId="{7F267C77-911D-471C-B0C4-DB6253B64262}" destId="{E8BAC236-111D-43EF-A507-01206ABCBEEF}" srcOrd="1" destOrd="0" presId="urn:microsoft.com/office/officeart/2005/8/layout/list1"/>
     <dgm:cxn modelId="{52DD973E-0D61-4CE9-A1A3-9E294CB0CA91}" type="presParOf" srcId="{8DCA84FF-573A-4371-994C-AEF758F8812F}" destId="{A72966F0-AA26-4BD3-9DC7-184E5A9D2432}" srcOrd="0" destOrd="0" presId="urn:microsoft.com/office/officeart/2005/8/layout/list1"/>
     <dgm:cxn modelId="{55606817-81B8-485B-8C24-3F6F870C49F0}" type="presParOf" srcId="{A72966F0-AA26-4BD3-9DC7-184E5A9D2432}" destId="{D2DEDED3-23F8-48BC-93EA-E09423A702B3}" srcOrd="0" destOrd="0" presId="urn:microsoft.com/office/officeart/2005/8/layout/list1"/>
     <dgm:cxn modelId="{BA017D43-8CF3-4EE1-B8B8-826CFE2FD75B}" type="presParOf" srcId="{A72966F0-AA26-4BD3-9DC7-184E5A9D2432}" destId="{E8BAC236-111D-43EF-A507-01206ABCBEEF}" srcOrd="1" destOrd="0" presId="urn:microsoft.com/office/officeart/2005/8/layout/list1"/>
@@ -8524,6 +8825,13 @@
         </dgm:presLayoutVars>
       </dgm:prSet>
       <dgm:spPr/>
+      <dgm:t>
+        <a:bodyPr/>
+        <a:lstStyle/>
+        <a:p>
+          <a:endParaRPr lang="es-ES"/>
+        </a:p>
+      </dgm:t>
     </dgm:pt>
     <dgm:pt modelId="{684CE64B-29EC-4E48-82D7-3327AD182E56}" type="pres">
       <dgm:prSet presAssocID="{A4DAB675-8A45-4B43-B375-1B20D2608292}" presName="circleA" presStyleLbl="node1" presStyleIdx="0" presStyleCnt="5"/>
@@ -8548,6 +8856,13 @@
         </dgm:presLayoutVars>
       </dgm:prSet>
       <dgm:spPr/>
+      <dgm:t>
+        <a:bodyPr/>
+        <a:lstStyle/>
+        <a:p>
+          <a:endParaRPr lang="es-ES"/>
+        </a:p>
+      </dgm:t>
     </dgm:pt>
     <dgm:pt modelId="{10502777-84C3-408A-92A2-355AD9232C51}" type="pres">
       <dgm:prSet presAssocID="{9E8212A1-9FC0-4E4B-9257-DA454AB13A1F}" presName="circleB" presStyleLbl="node1" presStyleIdx="1" presStyleCnt="5"/>
@@ -8572,6 +8887,13 @@
         </dgm:presLayoutVars>
       </dgm:prSet>
       <dgm:spPr/>
+      <dgm:t>
+        <a:bodyPr/>
+        <a:lstStyle/>
+        <a:p>
+          <a:endParaRPr lang="es-ES"/>
+        </a:p>
+      </dgm:t>
     </dgm:pt>
     <dgm:pt modelId="{9D0BE2C6-B669-4E60-A918-33BA590F7153}" type="pres">
       <dgm:prSet presAssocID="{B8017A6E-F713-4B2D-89C2-F565A535CEF4}" presName="circleA" presStyleLbl="node1" presStyleIdx="2" presStyleCnt="5"/>
@@ -8596,6 +8918,13 @@
         </dgm:presLayoutVars>
       </dgm:prSet>
       <dgm:spPr/>
+      <dgm:t>
+        <a:bodyPr/>
+        <a:lstStyle/>
+        <a:p>
+          <a:endParaRPr lang="es-ES"/>
+        </a:p>
+      </dgm:t>
     </dgm:pt>
     <dgm:pt modelId="{25EEE398-E6C6-4EC9-BDBE-B8E3AF9BA273}" type="pres">
       <dgm:prSet presAssocID="{031445E1-D3DA-4C40-AB9C-B0DD8734D5D5}" presName="circleB" presStyleLbl="node1" presStyleIdx="3" presStyleCnt="5"/>
@@ -8620,6 +8949,13 @@
         </dgm:presLayoutVars>
       </dgm:prSet>
       <dgm:spPr/>
+      <dgm:t>
+        <a:bodyPr/>
+        <a:lstStyle/>
+        <a:p>
+          <a:endParaRPr lang="es-ES"/>
+        </a:p>
+      </dgm:t>
     </dgm:pt>
     <dgm:pt modelId="{517080D2-601F-4E7D-AFF4-B2445FEAE881}" type="pres">
       <dgm:prSet presAssocID="{DE9E172F-7683-443E-9B00-94ADE08BC648}" presName="circleA" presStyleLbl="node1" presStyleIdx="4" presStyleCnt="5"/>
@@ -8631,17 +8967,17 @@
     </dgm:pt>
   </dgm:ptLst>
   <dgm:cxnLst>
+    <dgm:cxn modelId="{0C426856-514D-4A8D-8440-0586146F3196}" srcId="{63807632-4D5B-49E4-8F33-BD54B79CF95F}" destId="{031445E1-D3DA-4C40-AB9C-B0DD8734D5D5}" srcOrd="3" destOrd="0" parTransId="{AAB50ED3-AD63-4D76-BCF9-5A1C46C11313}" sibTransId="{BB977883-6C96-4166-A4FD-022F00EAA658}"/>
     <dgm:cxn modelId="{CA252D0D-F344-4181-9E80-E89C80CC1BEF}" srcId="{63807632-4D5B-49E4-8F33-BD54B79CF95F}" destId="{A4DAB675-8A45-4B43-B375-1B20D2608292}" srcOrd="0" destOrd="0" parTransId="{697062B6-1EAB-4D46-8350-1DEF771702C2}" sibTransId="{E3728A81-5C8A-41BF-8B51-9ADD4E2C4688}"/>
-    <dgm:cxn modelId="{83F5DD1B-8689-47F8-9DD6-FE89874EC7F3}" type="presOf" srcId="{DE9E172F-7683-443E-9B00-94ADE08BC648}" destId="{58FF5308-E694-43EE-8970-D362BD8AE134}" srcOrd="0" destOrd="0" presId="urn:microsoft.com/office/officeart/2005/8/layout/hProcess11"/>
-    <dgm:cxn modelId="{C16B2B26-A447-429B-ABB7-63F6BA29706C}" type="presOf" srcId="{63807632-4D5B-49E4-8F33-BD54B79CF95F}" destId="{FFCECD11-5AC6-429C-B19F-0290333A0AC9}" srcOrd="0" destOrd="0" presId="urn:microsoft.com/office/officeart/2005/8/layout/hProcess11"/>
-    <dgm:cxn modelId="{DCAE854B-6500-4306-A155-E400FEAFA562}" srcId="{63807632-4D5B-49E4-8F33-BD54B79CF95F}" destId="{B8017A6E-F713-4B2D-89C2-F565A535CEF4}" srcOrd="2" destOrd="0" parTransId="{79F49686-768C-4857-A5E6-9B8776998CE4}" sibTransId="{C55EBD60-E068-4FF4-B7A5-0A1915FEEB94}"/>
-    <dgm:cxn modelId="{0C426856-514D-4A8D-8440-0586146F3196}" srcId="{63807632-4D5B-49E4-8F33-BD54B79CF95F}" destId="{031445E1-D3DA-4C40-AB9C-B0DD8734D5D5}" srcOrd="3" destOrd="0" parTransId="{AAB50ED3-AD63-4D76-BCF9-5A1C46C11313}" sibTransId="{BB977883-6C96-4166-A4FD-022F00EAA658}"/>
-    <dgm:cxn modelId="{A2DBCD8D-B19C-4871-8526-60BEDA235AAC}" srcId="{63807632-4D5B-49E4-8F33-BD54B79CF95F}" destId="{9E8212A1-9FC0-4E4B-9257-DA454AB13A1F}" srcOrd="1" destOrd="0" parTransId="{8CE85B86-F3F2-4FDB-9D4C-FA0493227502}" sibTransId="{66CAAAF3-B191-46F4-BA99-9682591EA1E5}"/>
     <dgm:cxn modelId="{74931F97-63D1-4028-A1B2-41C4EE353D6D}" type="presOf" srcId="{031445E1-D3DA-4C40-AB9C-B0DD8734D5D5}" destId="{925112E5-6F2C-4FAE-BD02-FF85E90BBD1E}" srcOrd="0" destOrd="0" presId="urn:microsoft.com/office/officeart/2005/8/layout/hProcess11"/>
     <dgm:cxn modelId="{641468A1-3CF1-4041-8E88-1A1C36D89BD0}" srcId="{63807632-4D5B-49E4-8F33-BD54B79CF95F}" destId="{DE9E172F-7683-443E-9B00-94ADE08BC648}" srcOrd="4" destOrd="0" parTransId="{52A33E70-37B5-4C8C-8EBB-E73C61247ECB}" sibTransId="{C58A8B54-FF1F-4FEB-B171-7BE73DA9576D}"/>
     <dgm:cxn modelId="{BD74B3D3-3927-44C3-AEFB-8214416794C1}" type="presOf" srcId="{A4DAB675-8A45-4B43-B375-1B20D2608292}" destId="{DCE3B107-9AA1-4A9C-AF88-B2415BF4A91F}" srcOrd="0" destOrd="0" presId="urn:microsoft.com/office/officeart/2005/8/layout/hProcess11"/>
+    <dgm:cxn modelId="{591C9BED-CAC3-4F1D-BF6C-0F83CF721489}" type="presOf" srcId="{B8017A6E-F713-4B2D-89C2-F565A535CEF4}" destId="{2BC86B94-8F9F-4B18-A265-F1A957E5501F}" srcOrd="0" destOrd="0" presId="urn:microsoft.com/office/officeart/2005/8/layout/hProcess11"/>
     <dgm:cxn modelId="{93F56BE3-31F3-454B-90D7-3A76C91EC31F}" type="presOf" srcId="{9E8212A1-9FC0-4E4B-9257-DA454AB13A1F}" destId="{CE7FE3E9-E027-4081-9B45-B4C5187BE748}" srcOrd="0" destOrd="0" presId="urn:microsoft.com/office/officeart/2005/8/layout/hProcess11"/>
-    <dgm:cxn modelId="{591C9BED-CAC3-4F1D-BF6C-0F83CF721489}" type="presOf" srcId="{B8017A6E-F713-4B2D-89C2-F565A535CEF4}" destId="{2BC86B94-8F9F-4B18-A265-F1A957E5501F}" srcOrd="0" destOrd="0" presId="urn:microsoft.com/office/officeart/2005/8/layout/hProcess11"/>
+    <dgm:cxn modelId="{83F5DD1B-8689-47F8-9DD6-FE89874EC7F3}" type="presOf" srcId="{DE9E172F-7683-443E-9B00-94ADE08BC648}" destId="{58FF5308-E694-43EE-8970-D362BD8AE134}" srcOrd="0" destOrd="0" presId="urn:microsoft.com/office/officeart/2005/8/layout/hProcess11"/>
+    <dgm:cxn modelId="{DCAE854B-6500-4306-A155-E400FEAFA562}" srcId="{63807632-4D5B-49E4-8F33-BD54B79CF95F}" destId="{B8017A6E-F713-4B2D-89C2-F565A535CEF4}" srcOrd="2" destOrd="0" parTransId="{79F49686-768C-4857-A5E6-9B8776998CE4}" sibTransId="{C55EBD60-E068-4FF4-B7A5-0A1915FEEB94}"/>
+    <dgm:cxn modelId="{C16B2B26-A447-429B-ABB7-63F6BA29706C}" type="presOf" srcId="{63807632-4D5B-49E4-8F33-BD54B79CF95F}" destId="{FFCECD11-5AC6-429C-B19F-0290333A0AC9}" srcOrd="0" destOrd="0" presId="urn:microsoft.com/office/officeart/2005/8/layout/hProcess11"/>
+    <dgm:cxn modelId="{A2DBCD8D-B19C-4871-8526-60BEDA235AAC}" srcId="{63807632-4D5B-49E4-8F33-BD54B79CF95F}" destId="{9E8212A1-9FC0-4E4B-9257-DA454AB13A1F}" srcOrd="1" destOrd="0" parTransId="{8CE85B86-F3F2-4FDB-9D4C-FA0493227502}" sibTransId="{66CAAAF3-B191-46F4-BA99-9682591EA1E5}"/>
     <dgm:cxn modelId="{A96A7661-D74C-491A-BFEF-62953964848B}" type="presParOf" srcId="{FFCECD11-5AC6-429C-B19F-0290333A0AC9}" destId="{F84E913A-7982-4CE0-BFEC-A567353D38A0}" srcOrd="0" destOrd="0" presId="urn:microsoft.com/office/officeart/2005/8/layout/hProcess11"/>
     <dgm:cxn modelId="{88C5395A-CFD9-47AE-A105-0FF9D147F953}" type="presParOf" srcId="{FFCECD11-5AC6-429C-B19F-0290333A0AC9}" destId="{A170411F-8A7F-40D4-8D76-6A7CF070367C}" srcOrd="1" destOrd="0" presId="urn:microsoft.com/office/officeart/2005/8/layout/hProcess11"/>
     <dgm:cxn modelId="{80E97AD7-D77D-4C5D-8EDC-850FDB79B6F7}" type="presParOf" srcId="{A170411F-8A7F-40D4-8D76-6A7CF070367C}" destId="{A35EA39E-3913-4045-9FA5-68488CA4B230}" srcOrd="0" destOrd="0" presId="urn:microsoft.com/office/officeart/2005/8/layout/hProcess11"/>
@@ -8744,7 +9080,7 @@
         </a:bodyPr>
         <a:lstStyle/>
         <a:p>
-          <a:pPr marL="0" lvl="0" indent="0" algn="just" defTabSz="889000">
+          <a:pPr lvl="0" algn="just" defTabSz="889000">
             <a:lnSpc>
               <a:spcPct val="90000"/>
             </a:lnSpc>
@@ -8754,7 +9090,6 @@
             <a:spcAft>
               <a:spcPct val="35000"/>
             </a:spcAft>
-            <a:buNone/>
           </a:pPr>
           <a:r>
             <a:rPr lang="es-CO" sz="2000" kern="1200" dirty="0"/>
@@ -8825,7 +9160,7 @@
         </a:bodyPr>
         <a:lstStyle/>
         <a:p>
-          <a:pPr marL="0" lvl="0" indent="0" algn="just" defTabSz="622300">
+          <a:pPr lvl="0" algn="just" defTabSz="622300">
             <a:lnSpc>
               <a:spcPct val="90000"/>
             </a:lnSpc>
@@ -8835,7 +9170,6 @@
             <a:spcAft>
               <a:spcPct val="35000"/>
             </a:spcAft>
-            <a:buNone/>
           </a:pPr>
           <a:r>
             <a:rPr lang="es-CO" sz="1400" kern="1200" dirty="0"/>
@@ -8906,7 +9240,7 @@
         </a:bodyPr>
         <a:lstStyle/>
         <a:p>
-          <a:pPr marL="0" lvl="0" indent="0" algn="just" defTabSz="622300">
+          <a:pPr lvl="0" algn="just" defTabSz="622300">
             <a:lnSpc>
               <a:spcPct val="90000"/>
             </a:lnSpc>
@@ -8916,7 +9250,6 @@
             <a:spcAft>
               <a:spcPct val="35000"/>
             </a:spcAft>
-            <a:buNone/>
           </a:pPr>
           <a:r>
             <a:rPr lang="es-CO" sz="1400" kern="1200" dirty="0"/>
@@ -8987,7 +9320,7 @@
         </a:bodyPr>
         <a:lstStyle/>
         <a:p>
-          <a:pPr marL="0" lvl="0" indent="0" algn="ctr" defTabSz="622300">
+          <a:pPr lvl="0" algn="ctr" defTabSz="622300">
             <a:lnSpc>
               <a:spcPct val="90000"/>
             </a:lnSpc>
@@ -8997,7 +9330,6 @@
             <a:spcAft>
               <a:spcPct val="35000"/>
             </a:spcAft>
-            <a:buNone/>
           </a:pPr>
           <a:r>
             <a:rPr lang="es-CO" sz="1400" kern="1200" dirty="0"/>
@@ -9068,7 +9400,7 @@
         </a:bodyPr>
         <a:lstStyle/>
         <a:p>
-          <a:pPr marL="0" lvl="0" indent="0" algn="just" defTabSz="622300">
+          <a:pPr lvl="0" algn="just" defTabSz="622300">
             <a:lnSpc>
               <a:spcPct val="90000"/>
             </a:lnSpc>
@@ -9078,7 +9410,6 @@
             <a:spcAft>
               <a:spcPct val="35000"/>
             </a:spcAft>
-            <a:buNone/>
           </a:pPr>
           <a:r>
             <a:rPr lang="es-CO" sz="1400" kern="1200"/>
@@ -9342,7 +9673,7 @@
         </a:bodyPr>
         <a:lstStyle/>
         <a:p>
-          <a:pPr marL="0" lvl="0" indent="0" algn="ctr" defTabSz="755650">
+          <a:pPr lvl="0" algn="ctr" defTabSz="755650">
             <a:lnSpc>
               <a:spcPct val="90000"/>
             </a:lnSpc>
@@ -9352,7 +9683,6 @@
             <a:spcAft>
               <a:spcPct val="35000"/>
             </a:spcAft>
-            <a:buNone/>
           </a:pPr>
           <a:r>
             <a:rPr lang="es-CO" sz="1700" kern="1200" dirty="0"/>
@@ -9419,7 +9749,7 @@
         </a:bodyPr>
         <a:lstStyle/>
         <a:p>
-          <a:pPr marL="0" lvl="0" indent="0" algn="ctr" defTabSz="577850">
+          <a:pPr lvl="0" algn="ctr" defTabSz="577850">
             <a:lnSpc>
               <a:spcPct val="90000"/>
             </a:lnSpc>
@@ -9429,7 +9759,6 @@
             <a:spcAft>
               <a:spcPct val="35000"/>
             </a:spcAft>
-            <a:buNone/>
           </a:pPr>
           <a:r>
             <a:rPr lang="es-CO" sz="1300" kern="1200" dirty="0"/>
@@ -9496,7 +9825,7 @@
         </a:bodyPr>
         <a:lstStyle/>
         <a:p>
-          <a:pPr marL="0" lvl="0" indent="0" algn="ctr" defTabSz="577850">
+          <a:pPr lvl="0" algn="ctr" defTabSz="577850">
             <a:lnSpc>
               <a:spcPct val="90000"/>
             </a:lnSpc>
@@ -9506,7 +9835,6 @@
             <a:spcAft>
               <a:spcPct val="35000"/>
             </a:spcAft>
-            <a:buNone/>
           </a:pPr>
           <a:r>
             <a:rPr lang="es-CO" sz="1300" kern="1200" dirty="0"/>
@@ -9573,7 +9901,7 @@
         </a:bodyPr>
         <a:lstStyle/>
         <a:p>
-          <a:pPr marL="0" lvl="0" indent="0" algn="ctr" defTabSz="577850">
+          <a:pPr lvl="0" algn="ctr" defTabSz="577850">
             <a:lnSpc>
               <a:spcPct val="90000"/>
             </a:lnSpc>
@@ -9583,7 +9911,6 @@
             <a:spcAft>
               <a:spcPct val="35000"/>
             </a:spcAft>
-            <a:buNone/>
           </a:pPr>
           <a:r>
             <a:rPr lang="es-CO" sz="1300" kern="1200" dirty="0"/>
@@ -9650,7 +9977,7 @@
         </a:bodyPr>
         <a:lstStyle/>
         <a:p>
-          <a:pPr marL="0" lvl="0" indent="0" algn="ctr" defTabSz="577850">
+          <a:pPr lvl="0" algn="ctr" defTabSz="577850">
             <a:lnSpc>
               <a:spcPct val="90000"/>
             </a:lnSpc>
@@ -9660,7 +9987,6 @@
             <a:spcAft>
               <a:spcPct val="35000"/>
             </a:spcAft>
-            <a:buNone/>
           </a:pPr>
           <a:r>
             <a:rPr lang="es-CO" sz="1300" kern="1200" dirty="0"/>
@@ -9755,7 +10081,7 @@
         </a:bodyPr>
         <a:lstStyle/>
         <a:p>
-          <a:pPr marL="0" lvl="0" indent="0" algn="l" defTabSz="711200">
+          <a:pPr lvl="0" algn="l" defTabSz="711200">
             <a:lnSpc>
               <a:spcPct val="90000"/>
             </a:lnSpc>
@@ -9765,7 +10091,6 @@
             <a:spcAft>
               <a:spcPct val="35000"/>
             </a:spcAft>
-            <a:buNone/>
           </a:pPr>
           <a:r>
             <a:rPr lang="es-CO" sz="1600" kern="1200" dirty="0"/>
@@ -9882,7 +10207,7 @@
         </a:bodyPr>
         <a:lstStyle/>
         <a:p>
-          <a:pPr marL="0" lvl="0" indent="0" algn="l" defTabSz="711200">
+          <a:pPr lvl="0" algn="l" defTabSz="711200">
             <a:lnSpc>
               <a:spcPct val="90000"/>
             </a:lnSpc>
@@ -9892,7 +10217,6 @@
             <a:spcAft>
               <a:spcPct val="35000"/>
             </a:spcAft>
-            <a:buNone/>
           </a:pPr>
           <a:r>
             <a:rPr lang="es-CO" sz="1600" kern="1200" dirty="0"/>
@@ -10006,7 +10330,7 @@
         </a:bodyPr>
         <a:lstStyle/>
         <a:p>
-          <a:pPr marL="0" lvl="0" indent="0" algn="l" defTabSz="711200">
+          <a:pPr lvl="0" algn="l" defTabSz="711200">
             <a:lnSpc>
               <a:spcPct val="90000"/>
             </a:lnSpc>
@@ -10016,7 +10340,6 @@
             <a:spcAft>
               <a:spcPct val="35000"/>
             </a:spcAft>
-            <a:buNone/>
           </a:pPr>
           <a:r>
             <a:rPr lang="es-CO" sz="1600" kern="1200" dirty="0"/>
@@ -10129,7 +10452,7 @@
         </a:bodyPr>
         <a:lstStyle/>
         <a:p>
-          <a:pPr marL="0" lvl="0" indent="0" algn="l" defTabSz="711200">
+          <a:pPr lvl="0" algn="l" defTabSz="711200">
             <a:lnSpc>
               <a:spcPct val="90000"/>
             </a:lnSpc>
@@ -10139,7 +10462,6 @@
             <a:spcAft>
               <a:spcPct val="35000"/>
             </a:spcAft>
-            <a:buNone/>
           </a:pPr>
           <a:r>
             <a:rPr lang="es-CO" sz="1600" kern="1200" dirty="0"/>
@@ -10252,7 +10574,7 @@
         </a:bodyPr>
         <a:lstStyle/>
         <a:p>
-          <a:pPr marL="0" lvl="0" indent="0" algn="l" defTabSz="711200">
+          <a:pPr lvl="0" algn="l" defTabSz="711200">
             <a:lnSpc>
               <a:spcPct val="90000"/>
             </a:lnSpc>
@@ -10262,7 +10584,6 @@
             <a:spcAft>
               <a:spcPct val="35000"/>
             </a:spcAft>
-            <a:buNone/>
           </a:pPr>
           <a:r>
             <a:rPr lang="es-ES" sz="1600" kern="1200" dirty="0"/>
@@ -10387,7 +10708,7 @@
         </a:bodyPr>
         <a:lstStyle/>
         <a:p>
-          <a:pPr marL="0" lvl="0" indent="0" algn="l" defTabSz="666750">
+          <a:pPr lvl="0" algn="l" defTabSz="666750">
             <a:lnSpc>
               <a:spcPct val="90000"/>
             </a:lnSpc>
@@ -10397,7 +10718,6 @@
             <a:spcAft>
               <a:spcPct val="35000"/>
             </a:spcAft>
-            <a:buNone/>
           </a:pPr>
           <a:r>
             <a:rPr lang="es-CO" sz="1500" kern="1200" dirty="0"/>
@@ -10511,7 +10831,7 @@
         </a:bodyPr>
         <a:lstStyle/>
         <a:p>
-          <a:pPr marL="0" lvl="0" indent="0" algn="l" defTabSz="666750">
+          <a:pPr lvl="0" algn="l" defTabSz="666750">
             <a:lnSpc>
               <a:spcPct val="90000"/>
             </a:lnSpc>
@@ -10521,7 +10841,6 @@
             <a:spcAft>
               <a:spcPct val="35000"/>
             </a:spcAft>
-            <a:buNone/>
           </a:pPr>
           <a:r>
             <a:rPr lang="es-CO" sz="1500" kern="1200" dirty="0"/>
@@ -10635,7 +10954,7 @@
         </a:bodyPr>
         <a:lstStyle/>
         <a:p>
-          <a:pPr marL="0" lvl="0" indent="0" algn="l" defTabSz="666750">
+          <a:pPr lvl="0" algn="l" defTabSz="666750">
             <a:lnSpc>
               <a:spcPct val="90000"/>
             </a:lnSpc>
@@ -10645,7 +10964,6 @@
             <a:spcAft>
               <a:spcPct val="35000"/>
             </a:spcAft>
-            <a:buNone/>
           </a:pPr>
           <a:r>
             <a:rPr lang="es-CO" sz="1500" kern="1200" dirty="0"/>
@@ -10759,7 +11077,7 @@
         </a:bodyPr>
         <a:lstStyle/>
         <a:p>
-          <a:pPr marL="0" lvl="0" indent="0" algn="l" defTabSz="666750">
+          <a:pPr lvl="0" algn="l" defTabSz="666750">
             <a:lnSpc>
               <a:spcPct val="90000"/>
             </a:lnSpc>
@@ -10769,7 +11087,6 @@
             <a:spcAft>
               <a:spcPct val="35000"/>
             </a:spcAft>
-            <a:buNone/>
           </a:pPr>
           <a:r>
             <a:rPr lang="es-CO" sz="1500" kern="1200" dirty="0"/>
@@ -10883,7 +11200,7 @@
         </a:bodyPr>
         <a:lstStyle/>
         <a:p>
-          <a:pPr marL="0" lvl="0" indent="0" algn="l" defTabSz="666750">
+          <a:pPr lvl="0" algn="l" defTabSz="666750">
             <a:lnSpc>
               <a:spcPct val="90000"/>
             </a:lnSpc>
@@ -10893,7 +11210,6 @@
             <a:spcAft>
               <a:spcPct val="35000"/>
             </a:spcAft>
-            <a:buNone/>
           </a:pPr>
           <a:r>
             <a:rPr lang="es-CO" sz="1500" kern="1200" dirty="0"/>
@@ -11112,7 +11428,7 @@
         </a:bodyPr>
         <a:lstStyle/>
         <a:p>
-          <a:pPr marL="0" lvl="0" indent="0" algn="ctr" defTabSz="800100">
+          <a:pPr lvl="0" algn="ctr" defTabSz="800100">
             <a:lnSpc>
               <a:spcPct val="90000"/>
             </a:lnSpc>
@@ -11122,7 +11438,6 @@
             <a:spcAft>
               <a:spcPct val="35000"/>
             </a:spcAft>
-            <a:buNone/>
           </a:pPr>
           <a:r>
             <a:rPr lang="es-CO" sz="1800" kern="1200" dirty="0"/>
@@ -11130,7 +11445,7 @@
           </a:r>
         </a:p>
         <a:p>
-          <a:pPr marL="0" lvl="0" indent="0" algn="ctr" defTabSz="800100">
+          <a:pPr lvl="0" algn="ctr" defTabSz="800100">
             <a:lnSpc>
               <a:spcPct val="90000"/>
             </a:lnSpc>
@@ -11140,7 +11455,6 @@
             <a:spcAft>
               <a:spcPct val="35000"/>
             </a:spcAft>
-            <a:buNone/>
           </a:pPr>
           <a:r>
             <a:rPr lang="es-ES" sz="1200" kern="1200" dirty="0"/>
@@ -11148,7 +11462,7 @@
           </a:r>
         </a:p>
         <a:p>
-          <a:pPr marL="0" lvl="0" indent="0" algn="ctr" defTabSz="800100">
+          <a:pPr lvl="0" algn="ctr" defTabSz="800100">
             <a:lnSpc>
               <a:spcPct val="90000"/>
             </a:lnSpc>
@@ -11158,12 +11472,11 @@
             <a:spcAft>
               <a:spcPct val="35000"/>
             </a:spcAft>
-            <a:buNone/>
           </a:pPr>
           <a:endParaRPr lang="es-ES" sz="1200" kern="1200" dirty="0"/>
         </a:p>
         <a:p>
-          <a:pPr marL="0" lvl="0" indent="0" algn="ctr" defTabSz="800100">
+          <a:pPr lvl="0" algn="ctr" defTabSz="800100">
             <a:lnSpc>
               <a:spcPct val="90000"/>
             </a:lnSpc>
@@ -11173,7 +11486,6 @@
             <a:spcAft>
               <a:spcPct val="35000"/>
             </a:spcAft>
-            <a:buNone/>
           </a:pPr>
           <a:r>
             <a:rPr lang="es-ES" sz="1200" kern="1200" dirty="0"/>
@@ -11181,7 +11493,7 @@
           </a:r>
         </a:p>
         <a:p>
-          <a:pPr marL="0" lvl="0" indent="0" algn="ctr" defTabSz="800100">
+          <a:pPr lvl="0" algn="ctr" defTabSz="800100">
             <a:lnSpc>
               <a:spcPct val="90000"/>
             </a:lnSpc>
@@ -11191,12 +11503,11 @@
             <a:spcAft>
               <a:spcPct val="35000"/>
             </a:spcAft>
-            <a:buNone/>
           </a:pPr>
           <a:endParaRPr lang="es-ES" sz="1200" kern="1200" dirty="0"/>
         </a:p>
         <a:p>
-          <a:pPr marL="0" lvl="0" indent="0" algn="ctr" defTabSz="800100">
+          <a:pPr lvl="0" algn="ctr" defTabSz="800100">
             <a:lnSpc>
               <a:spcPct val="90000"/>
             </a:lnSpc>
@@ -11206,7 +11517,6 @@
             <a:spcAft>
               <a:spcPct val="35000"/>
             </a:spcAft>
-            <a:buNone/>
           </a:pPr>
           <a:r>
             <a:rPr lang="es-ES" sz="1200" kern="1200" dirty="0"/>
@@ -11318,7 +11628,7 @@
         </a:bodyPr>
         <a:lstStyle/>
         <a:p>
-          <a:pPr marL="0" lvl="0" indent="0" algn="ctr" defTabSz="800100">
+          <a:pPr lvl="0" algn="ctr" defTabSz="800100">
             <a:lnSpc>
               <a:spcPct val="90000"/>
             </a:lnSpc>
@@ -11328,7 +11638,6 @@
             <a:spcAft>
               <a:spcPct val="35000"/>
             </a:spcAft>
-            <a:buNone/>
           </a:pPr>
           <a:r>
             <a:rPr lang="es-CO" sz="1800" kern="1200" dirty="0"/>
@@ -11336,7 +11645,7 @@
           </a:r>
         </a:p>
         <a:p>
-          <a:pPr marL="0" lvl="0" indent="0" algn="ctr" defTabSz="800100">
+          <a:pPr lvl="0" algn="ctr" defTabSz="800100">
             <a:lnSpc>
               <a:spcPct val="90000"/>
             </a:lnSpc>
@@ -11346,7 +11655,6 @@
             <a:spcAft>
               <a:spcPct val="35000"/>
             </a:spcAft>
-            <a:buNone/>
           </a:pPr>
           <a:r>
             <a:rPr lang="es-ES" sz="1200" kern="1200" dirty="0"/>
@@ -11354,7 +11662,7 @@
           </a:r>
         </a:p>
         <a:p>
-          <a:pPr marL="0" lvl="0" indent="0" algn="ctr" defTabSz="800100">
+          <a:pPr lvl="0" algn="ctr" defTabSz="800100">
             <a:lnSpc>
               <a:spcPct val="90000"/>
             </a:lnSpc>
@@ -11364,7 +11672,6 @@
             <a:spcAft>
               <a:spcPct val="35000"/>
             </a:spcAft>
-            <a:buNone/>
           </a:pPr>
           <a:r>
             <a:rPr lang="es-ES" sz="1200" kern="1200" dirty="0"/>
@@ -11372,7 +11679,7 @@
           </a:r>
         </a:p>
         <a:p>
-          <a:pPr marL="0" lvl="0" indent="0" algn="ctr" defTabSz="800100">
+          <a:pPr lvl="0" algn="ctr" defTabSz="800100">
             <a:lnSpc>
               <a:spcPct val="90000"/>
             </a:lnSpc>
@@ -11382,7 +11689,6 @@
             <a:spcAft>
               <a:spcPct val="35000"/>
             </a:spcAft>
-            <a:buNone/>
           </a:pPr>
           <a:r>
             <a:rPr lang="es-ES" sz="1200" kern="1200" dirty="0"/>
@@ -11502,7 +11808,7 @@
         </a:bodyPr>
         <a:lstStyle/>
         <a:p>
-          <a:pPr marL="0" lvl="0" indent="0" algn="ctr" defTabSz="800100">
+          <a:pPr lvl="0" algn="ctr" defTabSz="800100">
             <a:lnSpc>
               <a:spcPct val="90000"/>
             </a:lnSpc>
@@ -11512,7 +11818,6 @@
             <a:spcAft>
               <a:spcPct val="35000"/>
             </a:spcAft>
-            <a:buNone/>
           </a:pPr>
           <a:r>
             <a:rPr lang="es-CO" sz="1800" kern="1200" dirty="0"/>
@@ -11520,7 +11825,7 @@
           </a:r>
         </a:p>
         <a:p>
-          <a:pPr marL="0" lvl="0" indent="0" algn="ctr" defTabSz="800100">
+          <a:pPr lvl="0" algn="ctr" defTabSz="800100">
             <a:lnSpc>
               <a:spcPct val="90000"/>
             </a:lnSpc>
@@ -11530,7 +11835,6 @@
             <a:spcAft>
               <a:spcPct val="35000"/>
             </a:spcAft>
-            <a:buNone/>
           </a:pPr>
           <a:r>
             <a:rPr lang="es-ES" sz="1200" kern="1200" dirty="0"/>
@@ -11538,7 +11842,7 @@
           </a:r>
         </a:p>
         <a:p>
-          <a:pPr marL="0" lvl="0" indent="0" algn="ctr" defTabSz="800100">
+          <a:pPr lvl="0" algn="ctr" defTabSz="800100">
             <a:lnSpc>
               <a:spcPct val="90000"/>
             </a:lnSpc>
@@ -11548,12 +11852,11 @@
             <a:spcAft>
               <a:spcPct val="35000"/>
             </a:spcAft>
-            <a:buNone/>
           </a:pPr>
           <a:endParaRPr lang="es-ES" sz="1200" kern="1200" dirty="0"/>
         </a:p>
         <a:p>
-          <a:pPr marL="0" lvl="0" indent="0" algn="ctr" defTabSz="800100">
+          <a:pPr lvl="0" algn="ctr" defTabSz="800100">
             <a:lnSpc>
               <a:spcPct val="90000"/>
             </a:lnSpc>
@@ -11563,7 +11866,6 @@
             <a:spcAft>
               <a:spcPct val="35000"/>
             </a:spcAft>
-            <a:buNone/>
           </a:pPr>
           <a:r>
             <a:rPr lang="es-ES" sz="1200" kern="1200" dirty="0"/>
@@ -11571,7 +11873,7 @@
           </a:r>
         </a:p>
         <a:p>
-          <a:pPr marL="0" lvl="0" indent="0" algn="ctr" defTabSz="800100">
+          <a:pPr lvl="0" algn="ctr" defTabSz="800100">
             <a:lnSpc>
               <a:spcPct val="90000"/>
             </a:lnSpc>
@@ -11581,12 +11883,11 @@
             <a:spcAft>
               <a:spcPct val="35000"/>
             </a:spcAft>
-            <a:buNone/>
           </a:pPr>
           <a:endParaRPr lang="es-ES" sz="1200" kern="1200" dirty="0"/>
         </a:p>
         <a:p>
-          <a:pPr marL="0" lvl="0" indent="0" algn="ctr" defTabSz="800100">
+          <a:pPr lvl="0" algn="ctr" defTabSz="800100">
             <a:lnSpc>
               <a:spcPct val="90000"/>
             </a:lnSpc>
@@ -11596,7 +11897,6 @@
             <a:spcAft>
               <a:spcPct val="35000"/>
             </a:spcAft>
-            <a:buNone/>
           </a:pPr>
           <a:r>
             <a:rPr lang="es-ES" sz="1200" kern="1200" dirty="0"/>
@@ -11684,7 +11984,7 @@
             <a:spcAft>
               <a:spcPct val="15000"/>
             </a:spcAft>
-            <a:buNone/>
+            <a:buChar char="••"/>
           </a:pPr>
           <a:r>
             <a:rPr lang="es-CO" sz="1800" kern="1200" dirty="0"/>
@@ -11741,7 +12041,7 @@
         </a:bodyPr>
         <a:lstStyle/>
         <a:p>
-          <a:pPr marL="0" lvl="0" indent="0" algn="l" defTabSz="622300">
+          <a:pPr lvl="0" algn="l" defTabSz="622300">
             <a:lnSpc>
               <a:spcPct val="90000"/>
             </a:lnSpc>
@@ -11751,7 +12051,6 @@
             <a:spcAft>
               <a:spcPct val="35000"/>
             </a:spcAft>
-            <a:buNone/>
           </a:pPr>
           <a:r>
             <a:rPr lang="es-CO" sz="1400" b="1" kern="1200" dirty="0"/>
@@ -11823,7 +12122,7 @@
             <a:spcAft>
               <a:spcPct val="15000"/>
             </a:spcAft>
-            <a:buNone/>
+            <a:buChar char="••"/>
           </a:pPr>
           <a:r>
             <a:rPr lang="es-CO" sz="1800" kern="1200" dirty="0"/>
@@ -11880,7 +12179,7 @@
         </a:bodyPr>
         <a:lstStyle/>
         <a:p>
-          <a:pPr marL="0" lvl="0" indent="0" algn="l" defTabSz="622300">
+          <a:pPr lvl="0" algn="l" defTabSz="622300">
             <a:lnSpc>
               <a:spcPct val="90000"/>
             </a:lnSpc>
@@ -11890,7 +12189,6 @@
             <a:spcAft>
               <a:spcPct val="35000"/>
             </a:spcAft>
-            <a:buNone/>
           </a:pPr>
           <a:r>
             <a:rPr lang="es-CO" sz="1400" b="1" kern="1200" dirty="0"/>
@@ -11962,7 +12260,7 @@
             <a:spcAft>
               <a:spcPct val="15000"/>
             </a:spcAft>
-            <a:buNone/>
+            <a:buChar char="••"/>
           </a:pPr>
           <a:r>
             <a:rPr lang="es-CO" sz="1800" kern="1200" dirty="0"/>
@@ -12020,7 +12318,7 @@
         </a:bodyPr>
         <a:lstStyle/>
         <a:p>
-          <a:pPr marL="0" lvl="0" indent="0" algn="l" defTabSz="622300">
+          <a:pPr lvl="0" algn="l" defTabSz="622300">
             <a:lnSpc>
               <a:spcPct val="90000"/>
             </a:lnSpc>
@@ -12030,7 +12328,6 @@
             <a:spcAft>
               <a:spcPct val="35000"/>
             </a:spcAft>
-            <a:buNone/>
           </a:pPr>
           <a:r>
             <a:rPr lang="es-CO" sz="1400" b="1" kern="1200" dirty="0"/>
@@ -12133,7 +12430,7 @@
         </a:bodyPr>
         <a:lstStyle/>
         <a:p>
-          <a:pPr marL="0" lvl="0" indent="0" algn="ctr" defTabSz="666750">
+          <a:pPr lvl="0" algn="ctr" defTabSz="666750">
             <a:lnSpc>
               <a:spcPct val="90000"/>
             </a:lnSpc>
@@ -12143,7 +12440,6 @@
             <a:spcAft>
               <a:spcPct val="35000"/>
             </a:spcAft>
-            <a:buNone/>
           </a:pPr>
           <a:r>
             <a:rPr lang="es-MX" sz="1500" kern="1200" dirty="0"/>
@@ -12244,7 +12540,7 @@
         </a:bodyPr>
         <a:lstStyle/>
         <a:p>
-          <a:pPr marL="0" lvl="0" indent="0" algn="ctr" defTabSz="666750">
+          <a:pPr lvl="0" algn="ctr" defTabSz="666750">
             <a:lnSpc>
               <a:spcPct val="90000"/>
             </a:lnSpc>
@@ -12254,7 +12550,6 @@
             <a:spcAft>
               <a:spcPct val="35000"/>
             </a:spcAft>
-            <a:buNone/>
           </a:pPr>
           <a:r>
             <a:rPr lang="es-MX" sz="1500" kern="1200" dirty="0"/>
@@ -12355,7 +12650,7 @@
         </a:bodyPr>
         <a:lstStyle/>
         <a:p>
-          <a:pPr marL="0" lvl="0" indent="0" algn="ctr" defTabSz="666750">
+          <a:pPr lvl="0" algn="ctr" defTabSz="666750">
             <a:lnSpc>
               <a:spcPct val="90000"/>
             </a:lnSpc>
@@ -12365,7 +12660,6 @@
             <a:spcAft>
               <a:spcPct val="35000"/>
             </a:spcAft>
-            <a:buNone/>
           </a:pPr>
           <a:r>
             <a:rPr lang="es-MX" sz="1500" kern="1200" dirty="0"/>
@@ -12466,7 +12760,7 @@
         </a:bodyPr>
         <a:lstStyle/>
         <a:p>
-          <a:pPr marL="0" lvl="0" indent="0" algn="ctr" defTabSz="666750">
+          <a:pPr lvl="0" algn="ctr" defTabSz="666750">
             <a:lnSpc>
               <a:spcPct val="90000"/>
             </a:lnSpc>
@@ -12476,7 +12770,6 @@
             <a:spcAft>
               <a:spcPct val="35000"/>
             </a:spcAft>
-            <a:buNone/>
           </a:pPr>
           <a:r>
             <a:rPr lang="es-MX" sz="1500" kern="1200" dirty="0"/>
@@ -12577,7 +12870,7 @@
         </a:bodyPr>
         <a:lstStyle/>
         <a:p>
-          <a:pPr marL="0" lvl="0" indent="0" algn="ctr" defTabSz="666750">
+          <a:pPr lvl="0" algn="ctr" defTabSz="666750">
             <a:lnSpc>
               <a:spcPct val="90000"/>
             </a:lnSpc>
@@ -12587,7 +12880,6 @@
             <a:spcAft>
               <a:spcPct val="35000"/>
             </a:spcAft>
-            <a:buNone/>
           </a:pPr>
           <a:r>
             <a:rPr lang="es-MX" sz="1500" kern="1200" dirty="0"/>
@@ -21980,7 +22272,7 @@
           <a:p>
             <a:fld id="{D4B39117-BBAA-FC4C-90CB-86676EB69E98}" type="datetimeFigureOut">
               <a:rPr lang="es-ES" smtClean="0"/>
-              <a:t>17/05/2021</a:t>
+              <a:t>18/05/2021</a:t>
             </a:fld>
             <a:endParaRPr lang="es-ES"/>
           </a:p>
@@ -22645,7 +22937,7 @@
             <a:fld id="{357272FC-7409-9241-96D9-C1880B2CBB52}" type="datetimeFigureOut">
               <a:rPr lang="es-ES" smtClean="0"/>
               <a:pPr/>
-              <a:t>17/05/2021</a:t>
+              <a:t>18/05/2021</a:t>
             </a:fld>
             <a:endParaRPr lang="es-ES"/>
           </a:p>
@@ -22847,7 +23139,7 @@
             <a:fld id="{357272FC-7409-9241-96D9-C1880B2CBB52}" type="datetimeFigureOut">
               <a:rPr lang="es-ES" smtClean="0"/>
               <a:pPr/>
-              <a:t>17/05/2021</a:t>
+              <a:t>18/05/2021</a:t>
             </a:fld>
             <a:endParaRPr lang="es-ES"/>
           </a:p>
@@ -23302,7 +23594,7 @@
             <a:fld id="{357272FC-7409-9241-96D9-C1880B2CBB52}" type="datetimeFigureOut">
               <a:rPr lang="es-ES" smtClean="0"/>
               <a:pPr/>
-              <a:t>17/05/2021</a:t>
+              <a:t>18/05/2021</a:t>
             </a:fld>
             <a:endParaRPr lang="es-ES"/>
           </a:p>
@@ -23884,7 +24176,7 @@
             <a:fld id="{357272FC-7409-9241-96D9-C1880B2CBB52}" type="datetimeFigureOut">
               <a:rPr lang="es-ES" smtClean="0"/>
               <a:pPr/>
-              <a:t>17/05/2021</a:t>
+              <a:t>18/05/2021</a:t>
             </a:fld>
             <a:endParaRPr lang="es-ES"/>
           </a:p>
@@ -24087,7 +24379,7 @@
             <a:fld id="{357272FC-7409-9241-96D9-C1880B2CBB52}" type="datetimeFigureOut">
               <a:rPr lang="es-ES" smtClean="0"/>
               <a:pPr/>
-              <a:t>17/05/2021</a:t>
+              <a:t>18/05/2021</a:t>
             </a:fld>
             <a:endParaRPr lang="es-ES"/>
           </a:p>
@@ -24364,7 +24656,7 @@
             <a:fld id="{357272FC-7409-9241-96D9-C1880B2CBB52}" type="datetimeFigureOut">
               <a:rPr lang="es-ES" smtClean="0"/>
               <a:pPr/>
-              <a:t>17/05/2021</a:t>
+              <a:t>18/05/2021</a:t>
             </a:fld>
             <a:endParaRPr lang="es-ES"/>
           </a:p>
@@ -24761,7 +25053,7 @@
             <a:fld id="{357272FC-7409-9241-96D9-C1880B2CBB52}" type="datetimeFigureOut">
               <a:rPr lang="es-ES" smtClean="0"/>
               <a:pPr/>
-              <a:t>17/05/2021</a:t>
+              <a:t>18/05/2021</a:t>
             </a:fld>
             <a:endParaRPr lang="es-ES"/>
           </a:p>
@@ -25096,7 +25388,7 @@
             <a:fld id="{357272FC-7409-9241-96D9-C1880B2CBB52}" type="datetimeFigureOut">
               <a:rPr lang="es-ES" smtClean="0"/>
               <a:pPr/>
-              <a:t>17/05/2021</a:t>
+              <a:t>18/05/2021</a:t>
             </a:fld>
             <a:endParaRPr lang="es-ES"/>
           </a:p>
@@ -25340,7 +25632,7 @@
           <a:p>
             <a:fld id="{357272FC-7409-9241-96D9-C1880B2CBB52}" type="datetimeFigureOut">
               <a:rPr lang="es-ES" smtClean="0"/>
-              <a:t>17/05/2021</a:t>
+              <a:t>18/05/2021</a:t>
             </a:fld>
             <a:endParaRPr lang="es-ES"/>
           </a:p>
@@ -27941,11 +28233,23 @@
                 <a:effectLst/>
               </a:rPr>
             </a:br>
+            <a:r>
+              <a:rPr lang="es-CO" sz="2500" dirty="0">
+                <a:effectLst/>
+              </a:rPr>
+              <a:t/>
+            </a:r>
             <a:br>
               <a:rPr lang="es-CO" sz="2500" dirty="0">
                 <a:effectLst/>
               </a:rPr>
             </a:br>
+            <a:r>
+              <a:rPr lang="es-CO" sz="2500" dirty="0">
+                <a:effectLst/>
+              </a:rPr>
+              <a:t/>
+            </a:r>
             <a:br>
               <a:rPr lang="es-CO" sz="2500" dirty="0">
                 <a:effectLst/>
@@ -27956,6 +28260,12 @@
                 <a:effectLst/>
               </a:rPr>
               <a:t>Temática de grado 10-02</a:t>
+            </a:r>
+            <a:r>
+              <a:rPr lang="es-ES" sz="2000" dirty="0">
+                <a:effectLst/>
+              </a:rPr>
+              <a:t/>
             </a:r>
             <a:br>
               <a:rPr lang="es-ES" sz="2000" dirty="0">
@@ -28277,7 +28587,7 @@
           </a:bodyPr>
           <a:lstStyle/>
           <a:p>
-            <a:pPr algn="r"/>
+            <a:pPr algn="just"/>
             <a:r>
               <a:rPr lang="es-CO" sz="7200" dirty="0"/>
               <a:t>Este proyecto busca darle un procesamiento a esa imagen haciendo uso de las herramientas tecnológicas y presentar un análisis detallado de acuerdos a los datos obtenidos de la imagen termográfica dando un aporte significante al programa de mantenimientos. </a:t>
@@ -29513,9 +29823,12 @@
 </file>
 
 <file path=customXml/item1.xml><?xml version="1.0" encoding="utf-8"?>
-<p:properties xmlns:p="http://schemas.microsoft.com/office/2006/metadata/properties" xmlns:xsi="http://www.w3.org/2001/XMLSchema-instance" xmlns:pc="http://schemas.microsoft.com/office/infopath/2007/PartnerControls">
-  <documentManagement/>
-</p:properties>
+<?mso-contentType ?>
+<FormTemplates xmlns="http://schemas.microsoft.com/sharepoint/v3/contenttype/forms">
+  <Display>DocumentLibraryForm</Display>
+  <Edit>DocumentLibraryForm</Edit>
+  <New>DocumentLibraryForm</New>
+</FormTemplates>
 </file>
 
 <file path=customXml/item2.xml><?xml version="1.0" encoding="utf-8"?>
@@ -29633,25 +29946,15 @@
 </file>
 
 <file path=customXml/item3.xml><?xml version="1.0" encoding="utf-8"?>
-<?mso-contentType ?>
-<FormTemplates xmlns="http://schemas.microsoft.com/sharepoint/v3/contenttype/forms">
-  <Display>DocumentLibraryForm</Display>
-  <Edit>DocumentLibraryForm</Edit>
-  <New>DocumentLibraryForm</New>
-</FormTemplates>
+<p:properties xmlns:p="http://schemas.microsoft.com/office/2006/metadata/properties" xmlns:xsi="http://www.w3.org/2001/XMLSchema-instance" xmlns:pc="http://schemas.microsoft.com/office/infopath/2007/PartnerControls">
+  <documentManagement/>
+</p:properties>
 </file>
 
 <file path=customXml/itemProps1.xml><?xml version="1.0" encoding="utf-8"?>
-<ds:datastoreItem xmlns:ds="http://schemas.openxmlformats.org/officeDocument/2006/customXml" ds:itemID="{46BD7D53-8870-4901-9C75-3567A7CBAE5E}">
+<ds:datastoreItem xmlns:ds="http://schemas.openxmlformats.org/officeDocument/2006/customXml" ds:itemID="{B04D8436-9529-41CE-BBCE-4D604027359A}">
   <ds:schemaRefs>
-    <ds:schemaRef ds:uri="http://schemas.microsoft.com/office/2006/metadata/properties"/>
-    <ds:schemaRef ds:uri="http://schemas.openxmlformats.org/package/2006/metadata/core-properties"/>
-    <ds:schemaRef ds:uri="http://www.w3.org/XML/1998/namespace"/>
-    <ds:schemaRef ds:uri="http://purl.org/dc/dcmitype/"/>
-    <ds:schemaRef ds:uri="http://schemas.microsoft.com/office/2006/documentManagement/types"/>
-    <ds:schemaRef ds:uri="http://schemas.microsoft.com/office/infopath/2007/PartnerControls"/>
-    <ds:schemaRef ds:uri="http://purl.org/dc/terms/"/>
-    <ds:schemaRef ds:uri="http://purl.org/dc/elements/1.1/"/>
+    <ds:schemaRef ds:uri="http://schemas.microsoft.com/sharepoint/v3/contenttype/forms"/>
   </ds:schemaRefs>
 </ds:datastoreItem>
 </file>
@@ -29673,9 +29976,16 @@
 </file>
 
 <file path=customXml/itemProps3.xml><?xml version="1.0" encoding="utf-8"?>
-<ds:datastoreItem xmlns:ds="http://schemas.openxmlformats.org/officeDocument/2006/customXml" ds:itemID="{B04D8436-9529-41CE-BBCE-4D604027359A}">
+<ds:datastoreItem xmlns:ds="http://schemas.openxmlformats.org/officeDocument/2006/customXml" ds:itemID="{46BD7D53-8870-4901-9C75-3567A7CBAE5E}">
   <ds:schemaRefs>
-    <ds:schemaRef ds:uri="http://schemas.microsoft.com/sharepoint/v3/contenttype/forms"/>
+    <ds:schemaRef ds:uri="http://schemas.microsoft.com/office/2006/metadata/properties"/>
+    <ds:schemaRef ds:uri="http://schemas.openxmlformats.org/package/2006/metadata/core-properties"/>
+    <ds:schemaRef ds:uri="http://www.w3.org/XML/1998/namespace"/>
+    <ds:schemaRef ds:uri="http://purl.org/dc/dcmitype/"/>
+    <ds:schemaRef ds:uri="http://schemas.microsoft.com/office/2006/documentManagement/types"/>
+    <ds:schemaRef ds:uri="http://schemas.microsoft.com/office/infopath/2007/PartnerControls"/>
+    <ds:schemaRef ds:uri="http://purl.org/dc/terms/"/>
+    <ds:schemaRef ds:uri="http://purl.org/dc/elements/1.1/"/>
   </ds:schemaRefs>
 </ds:datastoreItem>
 </file>